--- a/yazlovytskyy/2. SOLI(D)/SOLI(D).pptx
+++ b/yazlovytskyy/2. SOLI(D)/SOLI(D).pptx
@@ -5,13 +5,30 @@
     <p:sldMasterId id="2147483648" r:id="rId1"/>
   </p:sldMasterIdLst>
   <p:notesMasterIdLst>
-    <p:notesMasterId r:id="rId6"/>
+    <p:notesMasterId r:id="rId23"/>
   </p:notesMasterIdLst>
   <p:sldIdLst>
     <p:sldId id="257" r:id="rId2"/>
-    <p:sldId id="259" r:id="rId3"/>
-    <p:sldId id="256" r:id="rId4"/>
-    <p:sldId id="258" r:id="rId5"/>
+    <p:sldId id="264" r:id="rId3"/>
+    <p:sldId id="273" r:id="rId4"/>
+    <p:sldId id="277" r:id="rId5"/>
+    <p:sldId id="274" r:id="rId6"/>
+    <p:sldId id="275" r:id="rId7"/>
+    <p:sldId id="285" r:id="rId8"/>
+    <p:sldId id="266" r:id="rId9"/>
+    <p:sldId id="267" r:id="rId10"/>
+    <p:sldId id="276" r:id="rId11"/>
+    <p:sldId id="269" r:id="rId12"/>
+    <p:sldId id="283" r:id="rId13"/>
+    <p:sldId id="281" r:id="rId14"/>
+    <p:sldId id="282" r:id="rId15"/>
+    <p:sldId id="272" r:id="rId16"/>
+    <p:sldId id="280" r:id="rId17"/>
+    <p:sldId id="270" r:id="rId18"/>
+    <p:sldId id="271" r:id="rId19"/>
+    <p:sldId id="256" r:id="rId20"/>
+    <p:sldId id="259" r:id="rId21"/>
+    <p:sldId id="263" r:id="rId22"/>
   </p:sldIdLst>
   <p:sldSz cx="9144000" cy="6858000" type="screen4x3"/>
   <p:notesSz cx="6858000" cy="9144000"/>
@@ -195,7 +212,8 @@
           <a:p>
             <a:fld id="{150FD209-8005-4A6C-A83C-3A00B1C3E133}" type="datetimeFigureOut">
               <a:rPr lang="uk-UA" smtClean="0"/>
-              <a:t>05.04.2011</a:t>
+              <a:pPr/>
+              <a:t>07.07.2011</a:t>
             </a:fld>
             <a:endParaRPr lang="uk-UA"/>
           </a:p>
@@ -356,6 +374,7 @@
           <a:p>
             <a:fld id="{DB4A1B7F-8C57-49E9-941A-8E21510268CD}" type="slidenum">
               <a:rPr lang="uk-UA" smtClean="0"/>
+              <a:pPr/>
               <a:t>‹#›</a:t>
             </a:fld>
             <a:endParaRPr lang="uk-UA"/>
@@ -506,16 +525,6 @@
           </a:bodyPr>
           <a:lstStyle/>
           <a:p>
-            <a:r>
-              <a:rPr lang="uk-UA" dirty="0" smtClean="0"/>
-              <a:t>Як ми починаємо писати</a:t>
-            </a:r>
-            <a:r>
-              <a:rPr lang="uk-UA" baseline="0" dirty="0" smtClean="0"/>
-              <a:t> код?</a:t>
-            </a:r>
-          </a:p>
-          <a:p>
             <a:endParaRPr lang="uk-UA" dirty="0"/>
           </a:p>
         </p:txBody>
@@ -537,7 +546,590 @@
           <a:p>
             <a:fld id="{DB4A1B7F-8C57-49E9-941A-8E21510268CD}" type="slidenum">
               <a:rPr lang="uk-UA" smtClean="0"/>
+              <a:pPr/>
               <a:t>1</a:t>
+            </a:fld>
+            <a:endParaRPr lang="uk-UA"/>
+          </a:p>
+        </p:txBody>
+      </p:sp>
+    </p:spTree>
+  </p:cSld>
+  <p:clrMapOvr>
+    <a:masterClrMapping/>
+  </p:clrMapOvr>
+</p:notes>
+</file>
+
+<file path=ppt/notesSlides/notesSlide10.xml><?xml version="1.0" encoding="utf-8"?>
+<p:notes xmlns:a="http://schemas.openxmlformats.org/drawingml/2006/main" xmlns:r="http://schemas.openxmlformats.org/officeDocument/2006/relationships" xmlns:p="http://schemas.openxmlformats.org/presentationml/2006/main">
+  <p:cSld>
+    <p:spTree>
+      <p:nvGrpSpPr>
+        <p:cNvPr id="1" name=""/>
+        <p:cNvGrpSpPr/>
+        <p:nvPr/>
+      </p:nvGrpSpPr>
+      <p:grpSpPr>
+        <a:xfrm>
+          <a:off x="0" y="0"/>
+          <a:ext cx="0" cy="0"/>
+          <a:chOff x="0" y="0"/>
+          <a:chExt cx="0" cy="0"/>
+        </a:xfrm>
+      </p:grpSpPr>
+      <p:sp>
+        <p:nvSpPr>
+          <p:cNvPr id="2" name="Образ слайда 1"/>
+          <p:cNvSpPr>
+            <a:spLocks noGrp="1" noRot="1" noChangeAspect="1"/>
+          </p:cNvSpPr>
+          <p:nvPr>
+            <p:ph type="sldImg"/>
+          </p:nvPr>
+        </p:nvSpPr>
+        <p:spPr/>
+      </p:sp>
+      <p:sp>
+        <p:nvSpPr>
+          <p:cNvPr id="3" name="Заметки 2"/>
+          <p:cNvSpPr>
+            <a:spLocks noGrp="1"/>
+          </p:cNvSpPr>
+          <p:nvPr>
+            <p:ph type="body" idx="1"/>
+          </p:nvPr>
+        </p:nvSpPr>
+        <p:spPr/>
+        <p:txBody>
+          <a:bodyPr>
+            <a:normAutofit/>
+          </a:bodyPr>
+          <a:lstStyle/>
+          <a:p>
+            <a:r>
+              <a:rPr lang="uk-UA" dirty="0" smtClean="0"/>
+              <a:t>Що значить “ Залежить виконання дії</a:t>
+            </a:r>
+            <a:r>
+              <a:rPr lang="en-US" dirty="0" smtClean="0"/>
+              <a:t> </a:t>
+            </a:r>
+            <a:r>
+              <a:rPr lang="uk-UA" dirty="0" smtClean="0"/>
+              <a:t>”</a:t>
+            </a:r>
+            <a:endParaRPr lang="en-US" dirty="0" smtClean="0"/>
+          </a:p>
+          <a:p>
+            <a:r>
+              <a:rPr lang="ru-RU" dirty="0" smtClean="0"/>
+              <a:t>Приклад</a:t>
+            </a:r>
+            <a:r>
+              <a:rPr lang="ru-RU" baseline="0" dirty="0" smtClean="0"/>
+              <a:t> </a:t>
+            </a:r>
+            <a:r>
+              <a:rPr lang="en-US" baseline="0" dirty="0" smtClean="0"/>
+              <a:t>“Rename User”, “ Get Area of figure”, “Calculate salary”</a:t>
+            </a:r>
+            <a:endParaRPr lang="uk-UA" baseline="0" dirty="0" smtClean="0"/>
+          </a:p>
+          <a:p>
+            <a:r>
+              <a:rPr lang="uk-UA" baseline="0" dirty="0" smtClean="0"/>
+              <a:t>Тобто програмування  -  розподілення </a:t>
+            </a:r>
+            <a:r>
+              <a:rPr lang="uk-UA" baseline="0" dirty="0" err="1" smtClean="0"/>
+              <a:t>відповідальностей</a:t>
+            </a:r>
+            <a:r>
+              <a:rPr lang="uk-UA" baseline="0" dirty="0" smtClean="0"/>
+              <a:t>. Корисні відповіді)))</a:t>
+            </a:r>
+            <a:endParaRPr lang="uk-UA" dirty="0"/>
+          </a:p>
+        </p:txBody>
+      </p:sp>
+      <p:sp>
+        <p:nvSpPr>
+          <p:cNvPr id="4" name="Номер слайда 3"/>
+          <p:cNvSpPr>
+            <a:spLocks noGrp="1"/>
+          </p:cNvSpPr>
+          <p:nvPr>
+            <p:ph type="sldNum" sz="quarter" idx="10"/>
+          </p:nvPr>
+        </p:nvSpPr>
+        <p:spPr/>
+        <p:txBody>
+          <a:bodyPr/>
+          <a:lstStyle/>
+          <a:p>
+            <a:fld id="{DB4A1B7F-8C57-49E9-941A-8E21510268CD}" type="slidenum">
+              <a:rPr lang="uk-UA" smtClean="0"/>
+              <a:pPr/>
+              <a:t>15</a:t>
+            </a:fld>
+            <a:endParaRPr lang="uk-UA"/>
+          </a:p>
+        </p:txBody>
+      </p:sp>
+    </p:spTree>
+  </p:cSld>
+  <p:clrMapOvr>
+    <a:masterClrMapping/>
+  </p:clrMapOvr>
+</p:notes>
+</file>
+
+<file path=ppt/notesSlides/notesSlide11.xml><?xml version="1.0" encoding="utf-8"?>
+<p:notes xmlns:a="http://schemas.openxmlformats.org/drawingml/2006/main" xmlns:r="http://schemas.openxmlformats.org/officeDocument/2006/relationships" xmlns:p="http://schemas.openxmlformats.org/presentationml/2006/main">
+  <p:cSld>
+    <p:spTree>
+      <p:nvGrpSpPr>
+        <p:cNvPr id="1" name=""/>
+        <p:cNvGrpSpPr/>
+        <p:nvPr/>
+      </p:nvGrpSpPr>
+      <p:grpSpPr>
+        <a:xfrm>
+          <a:off x="0" y="0"/>
+          <a:ext cx="0" cy="0"/>
+          <a:chOff x="0" y="0"/>
+          <a:chExt cx="0" cy="0"/>
+        </a:xfrm>
+      </p:grpSpPr>
+      <p:sp>
+        <p:nvSpPr>
+          <p:cNvPr id="2" name="Образ слайда 1"/>
+          <p:cNvSpPr>
+            <a:spLocks noGrp="1" noRot="1" noChangeAspect="1"/>
+          </p:cNvSpPr>
+          <p:nvPr>
+            <p:ph type="sldImg"/>
+          </p:nvPr>
+        </p:nvSpPr>
+        <p:spPr/>
+      </p:sp>
+      <p:sp>
+        <p:nvSpPr>
+          <p:cNvPr id="3" name="Заметки 2"/>
+          <p:cNvSpPr>
+            <a:spLocks noGrp="1"/>
+          </p:cNvSpPr>
+          <p:nvPr>
+            <p:ph type="body" idx="1"/>
+          </p:nvPr>
+        </p:nvSpPr>
+        <p:spPr/>
+        <p:txBody>
+          <a:bodyPr>
+            <a:normAutofit/>
+          </a:bodyPr>
+          <a:lstStyle/>
+          <a:p>
+            <a:r>
+              <a:rPr lang="uk-UA" dirty="0" smtClean="0"/>
+              <a:t>Виконавець</a:t>
+            </a:r>
+            <a:r>
+              <a:rPr lang="uk-UA" baseline="0" dirty="0" smtClean="0"/>
+              <a:t> і контекст в деякій мірі синоніми</a:t>
+            </a:r>
+          </a:p>
+          <a:p>
+            <a:r>
+              <a:rPr lang="uk-UA" baseline="0" dirty="0" smtClean="0"/>
+              <a:t>Чому виконавець не може створити сам якийсь засіб?</a:t>
+            </a:r>
+            <a:endParaRPr lang="uk-UA" dirty="0"/>
+          </a:p>
+        </p:txBody>
+      </p:sp>
+      <p:sp>
+        <p:nvSpPr>
+          <p:cNvPr id="4" name="Номер слайда 3"/>
+          <p:cNvSpPr>
+            <a:spLocks noGrp="1"/>
+          </p:cNvSpPr>
+          <p:nvPr>
+            <p:ph type="sldNum" sz="quarter" idx="10"/>
+          </p:nvPr>
+        </p:nvSpPr>
+        <p:spPr/>
+        <p:txBody>
+          <a:bodyPr/>
+          <a:lstStyle/>
+          <a:p>
+            <a:fld id="{DB4A1B7F-8C57-49E9-941A-8E21510268CD}" type="slidenum">
+              <a:rPr lang="uk-UA" smtClean="0"/>
+              <a:pPr/>
+              <a:t>16</a:t>
+            </a:fld>
+            <a:endParaRPr lang="uk-UA"/>
+          </a:p>
+        </p:txBody>
+      </p:sp>
+    </p:spTree>
+  </p:cSld>
+  <p:clrMapOvr>
+    <a:masterClrMapping/>
+  </p:clrMapOvr>
+</p:notes>
+</file>
+
+<file path=ppt/notesSlides/notesSlide12.xml><?xml version="1.0" encoding="utf-8"?>
+<p:notes xmlns:a="http://schemas.openxmlformats.org/drawingml/2006/main" xmlns:r="http://schemas.openxmlformats.org/officeDocument/2006/relationships" xmlns:p="http://schemas.openxmlformats.org/presentationml/2006/main">
+  <p:cSld>
+    <p:spTree>
+      <p:nvGrpSpPr>
+        <p:cNvPr id="1" name=""/>
+        <p:cNvGrpSpPr/>
+        <p:nvPr/>
+      </p:nvGrpSpPr>
+      <p:grpSpPr>
+        <a:xfrm>
+          <a:off x="0" y="0"/>
+          <a:ext cx="0" cy="0"/>
+          <a:chOff x="0" y="0"/>
+          <a:chExt cx="0" cy="0"/>
+        </a:xfrm>
+      </p:grpSpPr>
+      <p:sp>
+        <p:nvSpPr>
+          <p:cNvPr id="2" name="Образ слайда 1"/>
+          <p:cNvSpPr>
+            <a:spLocks noGrp="1" noRot="1" noChangeAspect="1"/>
+          </p:cNvSpPr>
+          <p:nvPr>
+            <p:ph type="sldImg"/>
+          </p:nvPr>
+        </p:nvSpPr>
+        <p:spPr/>
+      </p:sp>
+      <p:sp>
+        <p:nvSpPr>
+          <p:cNvPr id="3" name="Заметки 2"/>
+          <p:cNvSpPr>
+            <a:spLocks noGrp="1"/>
+          </p:cNvSpPr>
+          <p:nvPr>
+            <p:ph type="body" idx="1"/>
+          </p:nvPr>
+        </p:nvSpPr>
+        <p:spPr/>
+        <p:txBody>
+          <a:bodyPr>
+            <a:normAutofit/>
+          </a:bodyPr>
+          <a:lstStyle/>
+          <a:p>
+            <a:r>
+              <a:rPr lang="uk-UA" dirty="0" smtClean="0"/>
+              <a:t>Це реалізація. Вона може </a:t>
+            </a:r>
+            <a:r>
+              <a:rPr lang="uk-UA" dirty="0" err="1" smtClean="0"/>
+              <a:t>будьякою</a:t>
+            </a:r>
+            <a:endParaRPr lang="uk-UA" dirty="0"/>
+          </a:p>
+        </p:txBody>
+      </p:sp>
+      <p:sp>
+        <p:nvSpPr>
+          <p:cNvPr id="4" name="Номер слайда 3"/>
+          <p:cNvSpPr>
+            <a:spLocks noGrp="1"/>
+          </p:cNvSpPr>
+          <p:nvPr>
+            <p:ph type="sldNum" sz="quarter" idx="10"/>
+          </p:nvPr>
+        </p:nvSpPr>
+        <p:spPr/>
+        <p:txBody>
+          <a:bodyPr/>
+          <a:lstStyle/>
+          <a:p>
+            <a:fld id="{DB4A1B7F-8C57-49E9-941A-8E21510268CD}" type="slidenum">
+              <a:rPr lang="uk-UA" smtClean="0"/>
+              <a:pPr/>
+              <a:t>17</a:t>
+            </a:fld>
+            <a:endParaRPr lang="uk-UA"/>
+          </a:p>
+        </p:txBody>
+      </p:sp>
+    </p:spTree>
+  </p:cSld>
+  <p:clrMapOvr>
+    <a:masterClrMapping/>
+  </p:clrMapOvr>
+</p:notes>
+</file>
+
+<file path=ppt/notesSlides/notesSlide13.xml><?xml version="1.0" encoding="utf-8"?>
+<p:notes xmlns:a="http://schemas.openxmlformats.org/drawingml/2006/main" xmlns:r="http://schemas.openxmlformats.org/officeDocument/2006/relationships" xmlns:p="http://schemas.openxmlformats.org/presentationml/2006/main">
+  <p:cSld>
+    <p:spTree>
+      <p:nvGrpSpPr>
+        <p:cNvPr id="1" name=""/>
+        <p:cNvGrpSpPr/>
+        <p:nvPr/>
+      </p:nvGrpSpPr>
+      <p:grpSpPr>
+        <a:xfrm>
+          <a:off x="0" y="0"/>
+          <a:ext cx="0" cy="0"/>
+          <a:chOff x="0" y="0"/>
+          <a:chExt cx="0" cy="0"/>
+        </a:xfrm>
+      </p:grpSpPr>
+      <p:sp>
+        <p:nvSpPr>
+          <p:cNvPr id="2" name="Образ слайда 1"/>
+          <p:cNvSpPr>
+            <a:spLocks noGrp="1" noRot="1" noChangeAspect="1"/>
+          </p:cNvSpPr>
+          <p:nvPr>
+            <p:ph type="sldImg"/>
+          </p:nvPr>
+        </p:nvSpPr>
+        <p:spPr/>
+      </p:sp>
+      <p:sp>
+        <p:nvSpPr>
+          <p:cNvPr id="3" name="Заметки 2"/>
+          <p:cNvSpPr>
+            <a:spLocks noGrp="1"/>
+          </p:cNvSpPr>
+          <p:nvPr>
+            <p:ph type="body" idx="1"/>
+          </p:nvPr>
+        </p:nvSpPr>
+        <p:spPr/>
+        <p:txBody>
+          <a:bodyPr>
+            <a:normAutofit/>
+          </a:bodyPr>
+          <a:lstStyle/>
+          <a:p>
+            <a:endParaRPr lang="uk-UA" dirty="0"/>
+          </a:p>
+        </p:txBody>
+      </p:sp>
+      <p:sp>
+        <p:nvSpPr>
+          <p:cNvPr id="4" name="Номер слайда 3"/>
+          <p:cNvSpPr>
+            <a:spLocks noGrp="1"/>
+          </p:cNvSpPr>
+          <p:nvPr>
+            <p:ph type="sldNum" sz="quarter" idx="10"/>
+          </p:nvPr>
+        </p:nvSpPr>
+        <p:spPr/>
+        <p:txBody>
+          <a:bodyPr/>
+          <a:lstStyle/>
+          <a:p>
+            <a:fld id="{DB4A1B7F-8C57-49E9-941A-8E21510268CD}" type="slidenum">
+              <a:rPr lang="uk-UA" smtClean="0"/>
+              <a:pPr/>
+              <a:t>19</a:t>
+            </a:fld>
+            <a:endParaRPr lang="uk-UA"/>
+          </a:p>
+        </p:txBody>
+      </p:sp>
+    </p:spTree>
+  </p:cSld>
+  <p:clrMapOvr>
+    <a:masterClrMapping/>
+  </p:clrMapOvr>
+</p:notes>
+</file>
+
+<file path=ppt/notesSlides/notesSlide14.xml><?xml version="1.0" encoding="utf-8"?>
+<p:notes xmlns:a="http://schemas.openxmlformats.org/drawingml/2006/main" xmlns:r="http://schemas.openxmlformats.org/officeDocument/2006/relationships" xmlns:p="http://schemas.openxmlformats.org/presentationml/2006/main">
+  <p:cSld>
+    <p:spTree>
+      <p:nvGrpSpPr>
+        <p:cNvPr id="1" name=""/>
+        <p:cNvGrpSpPr/>
+        <p:nvPr/>
+      </p:nvGrpSpPr>
+      <p:grpSpPr>
+        <a:xfrm>
+          <a:off x="0" y="0"/>
+          <a:ext cx="0" cy="0"/>
+          <a:chOff x="0" y="0"/>
+          <a:chExt cx="0" cy="0"/>
+        </a:xfrm>
+      </p:grpSpPr>
+      <p:sp>
+        <p:nvSpPr>
+          <p:cNvPr id="2" name="Образ слайда 1"/>
+          <p:cNvSpPr>
+            <a:spLocks noGrp="1" noRot="1" noChangeAspect="1"/>
+          </p:cNvSpPr>
+          <p:nvPr>
+            <p:ph type="sldImg"/>
+          </p:nvPr>
+        </p:nvSpPr>
+        <p:spPr/>
+      </p:sp>
+      <p:sp>
+        <p:nvSpPr>
+          <p:cNvPr id="3" name="Заметки 2"/>
+          <p:cNvSpPr>
+            <a:spLocks noGrp="1"/>
+          </p:cNvSpPr>
+          <p:nvPr>
+            <p:ph type="body" idx="1"/>
+          </p:nvPr>
+        </p:nvSpPr>
+        <p:spPr/>
+        <p:txBody>
+          <a:bodyPr>
+            <a:normAutofit/>
+          </a:bodyPr>
+          <a:lstStyle/>
+          <a:p>
+            <a:r>
+              <a:rPr lang="uk-UA" dirty="0" smtClean="0"/>
+              <a:t>Аналогія</a:t>
+            </a:r>
+            <a:r>
+              <a:rPr lang="uk-UA" baseline="0" dirty="0" smtClean="0"/>
+              <a:t> з будування літака або будинку.</a:t>
+            </a:r>
+          </a:p>
+          <a:p>
+            <a:r>
+              <a:rPr lang="uk-UA" b="1" baseline="0" dirty="0" smtClean="0"/>
+              <a:t>Система має сама показувати</a:t>
+            </a:r>
+            <a:r>
+              <a:rPr lang="uk-UA" baseline="0" dirty="0" smtClean="0"/>
+              <a:t> як вона влаштована на кожному рівні.</a:t>
+            </a:r>
+            <a:endParaRPr lang="uk-UA" dirty="0"/>
+          </a:p>
+        </p:txBody>
+      </p:sp>
+      <p:sp>
+        <p:nvSpPr>
+          <p:cNvPr id="4" name="Номер слайда 3"/>
+          <p:cNvSpPr>
+            <a:spLocks noGrp="1"/>
+          </p:cNvSpPr>
+          <p:nvPr>
+            <p:ph type="sldNum" sz="quarter" idx="10"/>
+          </p:nvPr>
+        </p:nvSpPr>
+        <p:spPr/>
+        <p:txBody>
+          <a:bodyPr/>
+          <a:lstStyle/>
+          <a:p>
+            <a:fld id="{DB4A1B7F-8C57-49E9-941A-8E21510268CD}" type="slidenum">
+              <a:rPr lang="uk-UA" smtClean="0"/>
+              <a:pPr/>
+              <a:t>20</a:t>
+            </a:fld>
+            <a:endParaRPr lang="uk-UA"/>
+          </a:p>
+        </p:txBody>
+      </p:sp>
+    </p:spTree>
+  </p:cSld>
+  <p:clrMapOvr>
+    <a:masterClrMapping/>
+  </p:clrMapOvr>
+</p:notes>
+</file>
+
+<file path=ppt/notesSlides/notesSlide15.xml><?xml version="1.0" encoding="utf-8"?>
+<p:notes xmlns:a="http://schemas.openxmlformats.org/drawingml/2006/main" xmlns:r="http://schemas.openxmlformats.org/officeDocument/2006/relationships" xmlns:p="http://schemas.openxmlformats.org/presentationml/2006/main">
+  <p:cSld>
+    <p:spTree>
+      <p:nvGrpSpPr>
+        <p:cNvPr id="1" name=""/>
+        <p:cNvGrpSpPr/>
+        <p:nvPr/>
+      </p:nvGrpSpPr>
+      <p:grpSpPr>
+        <a:xfrm>
+          <a:off x="0" y="0"/>
+          <a:ext cx="0" cy="0"/>
+          <a:chOff x="0" y="0"/>
+          <a:chExt cx="0" cy="0"/>
+        </a:xfrm>
+      </p:grpSpPr>
+      <p:sp>
+        <p:nvSpPr>
+          <p:cNvPr id="2" name="Образ слайда 1"/>
+          <p:cNvSpPr>
+            <a:spLocks noGrp="1" noRot="1" noChangeAspect="1"/>
+          </p:cNvSpPr>
+          <p:nvPr>
+            <p:ph type="sldImg"/>
+          </p:nvPr>
+        </p:nvSpPr>
+        <p:spPr/>
+      </p:sp>
+      <p:sp>
+        <p:nvSpPr>
+          <p:cNvPr id="3" name="Заметки 2"/>
+          <p:cNvSpPr>
+            <a:spLocks noGrp="1"/>
+          </p:cNvSpPr>
+          <p:nvPr>
+            <p:ph type="body" idx="1"/>
+          </p:nvPr>
+        </p:nvSpPr>
+        <p:spPr/>
+        <p:txBody>
+          <a:bodyPr>
+            <a:normAutofit/>
+          </a:bodyPr>
+          <a:lstStyle/>
+          <a:p>
+            <a:r>
+              <a:rPr lang="uk-UA" noProof="0" dirty="0" smtClean="0"/>
+              <a:t>Наша</a:t>
+            </a:r>
+            <a:r>
+              <a:rPr lang="uk-UA" baseline="0" noProof="0" dirty="0" smtClean="0"/>
+              <a:t> задача створювати абстракції. (або переносити їх з реального світу)</a:t>
+            </a:r>
+            <a:endParaRPr lang="uk-UA" noProof="0" dirty="0"/>
+          </a:p>
+        </p:txBody>
+      </p:sp>
+      <p:sp>
+        <p:nvSpPr>
+          <p:cNvPr id="4" name="Номер слайда 3"/>
+          <p:cNvSpPr>
+            <a:spLocks noGrp="1"/>
+          </p:cNvSpPr>
+          <p:nvPr>
+            <p:ph type="sldNum" sz="quarter" idx="10"/>
+          </p:nvPr>
+        </p:nvSpPr>
+        <p:spPr/>
+        <p:txBody>
+          <a:bodyPr/>
+          <a:lstStyle/>
+          <a:p>
+            <a:fld id="{DB4A1B7F-8C57-49E9-941A-8E21510268CD}" type="slidenum">
+              <a:rPr lang="uk-UA" smtClean="0"/>
+              <a:pPr/>
+              <a:t>21</a:t>
             </a:fld>
             <a:endParaRPr lang="uk-UA"/>
           </a:p>
@@ -598,28 +1190,65 @@
           <a:lstStyle/>
           <a:p>
             <a:r>
-              <a:rPr lang="uk-UA" dirty="0" smtClean="0"/>
-              <a:t>Треба</a:t>
-            </a:r>
-            <a:r>
-              <a:rPr lang="uk-UA" baseline="0" dirty="0" smtClean="0"/>
-              <a:t> щоб мій код зробив </a:t>
-            </a:r>
-            <a:r>
-              <a:rPr lang="uk-UA" baseline="0" dirty="0" err="1" smtClean="0"/>
-              <a:t>такуто</a:t>
-            </a:r>
-            <a:r>
-              <a:rPr lang="uk-UA" baseline="0" dirty="0" smtClean="0"/>
-              <a:t> штуку. (Додав товар в базу даних, зробив з дерева </a:t>
-            </a:r>
-            <a:r>
-              <a:rPr lang="uk-UA" baseline="0" dirty="0" err="1" smtClean="0"/>
-              <a:t>буратіно</a:t>
-            </a:r>
-            <a:r>
-              <a:rPr lang="uk-UA" baseline="0" dirty="0" smtClean="0"/>
-              <a:t>)</a:t>
+              <a:rPr lang="en-US" sz="1200" dirty="0" smtClean="0"/>
+              <a:t>Jim </a:t>
+            </a:r>
+            <a:r>
+              <a:rPr lang="en-US" sz="1200" dirty="0" err="1" smtClean="0"/>
+              <a:t>Coplien</a:t>
+            </a:r>
+            <a:r>
+              <a:rPr lang="en-US" sz="1200" dirty="0" smtClean="0"/>
+              <a:t> </a:t>
+            </a:r>
+            <a:r>
+              <a:rPr lang="uk-UA" sz="1200" dirty="0" smtClean="0"/>
+              <a:t>каже, що </a:t>
+            </a:r>
+            <a:r>
+              <a:rPr lang="en-US" sz="1200" dirty="0" smtClean="0"/>
+              <a:t>Software</a:t>
+            </a:r>
+            <a:r>
+              <a:rPr lang="uk-UA" sz="1200" dirty="0" smtClean="0"/>
+              <a:t> це доповнення (розширення) до можливостей користувача . Тобто користувач і програма мають </a:t>
+            </a:r>
+            <a:r>
+              <a:rPr lang="uk-UA" sz="1200" dirty="0" err="1" smtClean="0"/>
+              <a:t>“спілкуватися”</a:t>
+            </a:r>
+            <a:r>
+              <a:rPr lang="uk-UA" sz="1200" dirty="0" smtClean="0"/>
+              <a:t> однією мовою. Тобто</a:t>
+            </a:r>
+            <a:r>
+              <a:rPr lang="uk-UA" sz="1200" baseline="0" dirty="0" smtClean="0"/>
+              <a:t> ментальна модель маю бути однакова.</a:t>
+            </a:r>
+          </a:p>
+          <a:p>
+            <a:endParaRPr lang="uk-UA" sz="1200" baseline="0" dirty="0" smtClean="0"/>
+          </a:p>
+          <a:p>
+            <a:r>
+              <a:rPr lang="uk-UA" sz="1200" baseline="0" dirty="0" smtClean="0"/>
+              <a:t>Реалізація існує тільки для програміста, </a:t>
+            </a:r>
+            <a:r>
+              <a:rPr lang="uk-UA" sz="1200" baseline="0" dirty="0" err="1" smtClean="0"/>
+              <a:t>юзер</a:t>
+            </a:r>
+            <a:r>
+              <a:rPr lang="uk-UA" sz="1200" baseline="0" dirty="0" smtClean="0"/>
+              <a:t> про неї </a:t>
+            </a:r>
+            <a:r>
+              <a:rPr lang="uk-UA" sz="1200" baseline="0" dirty="0" err="1" smtClean="0"/>
+              <a:t>незнає</a:t>
+            </a:r>
+            <a:r>
+              <a:rPr lang="uk-UA" sz="1200" baseline="0" dirty="0" smtClean="0"/>
+              <a:t>.</a:t>
             </a:r>
             <a:endParaRPr lang="uk-UA" dirty="0"/>
           </a:p>
@@ -642,6 +1271,7 @@
           <a:p>
             <a:fld id="{DB4A1B7F-8C57-49E9-941A-8E21510268CD}" type="slidenum">
               <a:rPr lang="uk-UA" smtClean="0"/>
+              <a:pPr/>
               <a:t>2</a:t>
             </a:fld>
             <a:endParaRPr lang="uk-UA"/>
@@ -704,11 +1334,11 @@
           <a:p>
             <a:r>
               <a:rPr lang="uk-UA" dirty="0" smtClean="0"/>
-              <a:t>У коду</a:t>
+              <a:t>Двигун</a:t>
             </a:r>
             <a:r>
               <a:rPr lang="uk-UA" baseline="0" dirty="0" smtClean="0"/>
-              <a:t> завжди є призначення. Синонім “ призначення ” – смисл, сенс. В коді має бути сенс, інакше який сенс в цьому коді?)))</a:t>
+              <a:t> стає абстрактним двигуном для того хто робить діагностику двигуна. </a:t>
             </a:r>
             <a:endParaRPr lang="uk-UA" dirty="0"/>
           </a:p>
@@ -731,7 +1361,8 @@
           <a:p>
             <a:fld id="{DB4A1B7F-8C57-49E9-941A-8E21510268CD}" type="slidenum">
               <a:rPr lang="uk-UA" smtClean="0"/>
-              <a:t>3</a:t>
+              <a:pPr/>
+              <a:t>5</a:t>
             </a:fld>
             <a:endParaRPr lang="uk-UA"/>
           </a:p>
@@ -791,6 +1422,14 @@
           </a:bodyPr>
           <a:lstStyle/>
           <a:p>
+            <a:r>
+              <a:rPr lang="uk-UA" dirty="0" smtClean="0"/>
+              <a:t>Абстракція</a:t>
+            </a:r>
+            <a:r>
+              <a:rPr lang="uk-UA" baseline="0" dirty="0" smtClean="0"/>
+              <a:t> є користувачем підлеглих абстракцій</a:t>
+            </a:r>
             <a:endParaRPr lang="uk-UA" dirty="0"/>
           </a:p>
         </p:txBody>
@@ -812,7 +1451,462 @@
           <a:p>
             <a:fld id="{DB4A1B7F-8C57-49E9-941A-8E21510268CD}" type="slidenum">
               <a:rPr lang="uk-UA" smtClean="0"/>
-              <a:t>4</a:t>
+              <a:pPr/>
+              <a:t>6</a:t>
+            </a:fld>
+            <a:endParaRPr lang="uk-UA"/>
+          </a:p>
+        </p:txBody>
+      </p:sp>
+    </p:spTree>
+  </p:cSld>
+  <p:clrMapOvr>
+    <a:masterClrMapping/>
+  </p:clrMapOvr>
+</p:notes>
+</file>
+
+<file path=ppt/notesSlides/notesSlide5.xml><?xml version="1.0" encoding="utf-8"?>
+<p:notes xmlns:a="http://schemas.openxmlformats.org/drawingml/2006/main" xmlns:r="http://schemas.openxmlformats.org/officeDocument/2006/relationships" xmlns:p="http://schemas.openxmlformats.org/presentationml/2006/main">
+  <p:cSld>
+    <p:spTree>
+      <p:nvGrpSpPr>
+        <p:cNvPr id="1" name=""/>
+        <p:cNvGrpSpPr/>
+        <p:nvPr/>
+      </p:nvGrpSpPr>
+      <p:grpSpPr>
+        <a:xfrm>
+          <a:off x="0" y="0"/>
+          <a:ext cx="0" cy="0"/>
+          <a:chOff x="0" y="0"/>
+          <a:chExt cx="0" cy="0"/>
+        </a:xfrm>
+      </p:grpSpPr>
+      <p:sp>
+        <p:nvSpPr>
+          <p:cNvPr id="2" name="Образ слайда 1"/>
+          <p:cNvSpPr>
+            <a:spLocks noGrp="1" noRot="1" noChangeAspect="1"/>
+          </p:cNvSpPr>
+          <p:nvPr>
+            <p:ph type="sldImg"/>
+          </p:nvPr>
+        </p:nvSpPr>
+        <p:spPr/>
+      </p:sp>
+      <p:sp>
+        <p:nvSpPr>
+          <p:cNvPr id="3" name="Заметки 2"/>
+          <p:cNvSpPr>
+            <a:spLocks noGrp="1"/>
+          </p:cNvSpPr>
+          <p:nvPr>
+            <p:ph type="body" idx="1"/>
+          </p:nvPr>
+        </p:nvSpPr>
+        <p:spPr/>
+        <p:txBody>
+          <a:bodyPr>
+            <a:normAutofit/>
+          </a:bodyPr>
+          <a:lstStyle/>
+          <a:p>
+            <a:r>
+              <a:rPr lang="en-US" dirty="0" smtClean="0"/>
+              <a:t>SRP </a:t>
+            </a:r>
+            <a:r>
+              <a:rPr lang="uk-UA" dirty="0" smtClean="0"/>
+              <a:t>–</a:t>
+            </a:r>
+            <a:r>
+              <a:rPr lang="uk-UA" baseline="0" dirty="0" smtClean="0"/>
+              <a:t> на кожну відповідальність одна абстракція.</a:t>
+            </a:r>
+            <a:endParaRPr lang="uk-UA" dirty="0"/>
+          </a:p>
+        </p:txBody>
+      </p:sp>
+      <p:sp>
+        <p:nvSpPr>
+          <p:cNvPr id="4" name="Номер слайда 3"/>
+          <p:cNvSpPr>
+            <a:spLocks noGrp="1"/>
+          </p:cNvSpPr>
+          <p:nvPr>
+            <p:ph type="sldNum" sz="quarter" idx="10"/>
+          </p:nvPr>
+        </p:nvSpPr>
+        <p:spPr/>
+        <p:txBody>
+          <a:bodyPr/>
+          <a:lstStyle/>
+          <a:p>
+            <a:fld id="{DB4A1B7F-8C57-49E9-941A-8E21510268CD}" type="slidenum">
+              <a:rPr lang="uk-UA" smtClean="0"/>
+              <a:pPr/>
+              <a:t>7</a:t>
+            </a:fld>
+            <a:endParaRPr lang="uk-UA"/>
+          </a:p>
+        </p:txBody>
+      </p:sp>
+    </p:spTree>
+  </p:cSld>
+  <p:clrMapOvr>
+    <a:masterClrMapping/>
+  </p:clrMapOvr>
+</p:notes>
+</file>
+
+<file path=ppt/notesSlides/notesSlide6.xml><?xml version="1.0" encoding="utf-8"?>
+<p:notes xmlns:a="http://schemas.openxmlformats.org/drawingml/2006/main" xmlns:r="http://schemas.openxmlformats.org/officeDocument/2006/relationships" xmlns:p="http://schemas.openxmlformats.org/presentationml/2006/main">
+  <p:cSld>
+    <p:spTree>
+      <p:nvGrpSpPr>
+        <p:cNvPr id="1" name=""/>
+        <p:cNvGrpSpPr/>
+        <p:nvPr/>
+      </p:nvGrpSpPr>
+      <p:grpSpPr>
+        <a:xfrm>
+          <a:off x="0" y="0"/>
+          <a:ext cx="0" cy="0"/>
+          <a:chOff x="0" y="0"/>
+          <a:chExt cx="0" cy="0"/>
+        </a:xfrm>
+      </p:grpSpPr>
+      <p:sp>
+        <p:nvSpPr>
+          <p:cNvPr id="2" name="Образ слайда 1"/>
+          <p:cNvSpPr>
+            <a:spLocks noGrp="1" noRot="1" noChangeAspect="1"/>
+          </p:cNvSpPr>
+          <p:nvPr>
+            <p:ph type="sldImg"/>
+          </p:nvPr>
+        </p:nvSpPr>
+        <p:spPr/>
+      </p:sp>
+      <p:sp>
+        <p:nvSpPr>
+          <p:cNvPr id="3" name="Заметки 2"/>
+          <p:cNvSpPr>
+            <a:spLocks noGrp="1"/>
+          </p:cNvSpPr>
+          <p:nvPr>
+            <p:ph type="body" idx="1"/>
+          </p:nvPr>
+        </p:nvSpPr>
+        <p:spPr/>
+        <p:txBody>
+          <a:bodyPr>
+            <a:normAutofit/>
+          </a:bodyPr>
+          <a:lstStyle/>
+          <a:p>
+            <a:endParaRPr lang="uk-UA" dirty="0"/>
+          </a:p>
+        </p:txBody>
+      </p:sp>
+      <p:sp>
+        <p:nvSpPr>
+          <p:cNvPr id="4" name="Номер слайда 3"/>
+          <p:cNvSpPr>
+            <a:spLocks noGrp="1"/>
+          </p:cNvSpPr>
+          <p:nvPr>
+            <p:ph type="sldNum" sz="quarter" idx="10"/>
+          </p:nvPr>
+        </p:nvSpPr>
+        <p:spPr/>
+        <p:txBody>
+          <a:bodyPr/>
+          <a:lstStyle/>
+          <a:p>
+            <a:fld id="{DB4A1B7F-8C57-49E9-941A-8E21510268CD}" type="slidenum">
+              <a:rPr lang="uk-UA" smtClean="0"/>
+              <a:pPr/>
+              <a:t>8</a:t>
+            </a:fld>
+            <a:endParaRPr lang="uk-UA"/>
+          </a:p>
+        </p:txBody>
+      </p:sp>
+    </p:spTree>
+  </p:cSld>
+  <p:clrMapOvr>
+    <a:masterClrMapping/>
+  </p:clrMapOvr>
+</p:notes>
+</file>
+
+<file path=ppt/notesSlides/notesSlide7.xml><?xml version="1.0" encoding="utf-8"?>
+<p:notes xmlns:a="http://schemas.openxmlformats.org/drawingml/2006/main" xmlns:r="http://schemas.openxmlformats.org/officeDocument/2006/relationships" xmlns:p="http://schemas.openxmlformats.org/presentationml/2006/main">
+  <p:cSld>
+    <p:spTree>
+      <p:nvGrpSpPr>
+        <p:cNvPr id="1" name=""/>
+        <p:cNvGrpSpPr/>
+        <p:nvPr/>
+      </p:nvGrpSpPr>
+      <p:grpSpPr>
+        <a:xfrm>
+          <a:off x="0" y="0"/>
+          <a:ext cx="0" cy="0"/>
+          <a:chOff x="0" y="0"/>
+          <a:chExt cx="0" cy="0"/>
+        </a:xfrm>
+      </p:grpSpPr>
+      <p:sp>
+        <p:nvSpPr>
+          <p:cNvPr id="2" name="Образ слайда 1"/>
+          <p:cNvSpPr>
+            <a:spLocks noGrp="1" noRot="1" noChangeAspect="1"/>
+          </p:cNvSpPr>
+          <p:nvPr>
+            <p:ph type="sldImg"/>
+          </p:nvPr>
+        </p:nvSpPr>
+        <p:spPr/>
+      </p:sp>
+      <p:sp>
+        <p:nvSpPr>
+          <p:cNvPr id="3" name="Заметки 2"/>
+          <p:cNvSpPr>
+            <a:spLocks noGrp="1"/>
+          </p:cNvSpPr>
+          <p:nvPr>
+            <p:ph type="body" idx="1"/>
+          </p:nvPr>
+        </p:nvSpPr>
+        <p:spPr/>
+        <p:txBody>
+          <a:bodyPr>
+            <a:normAutofit/>
+          </a:bodyPr>
+          <a:lstStyle/>
+          <a:p>
+            <a:r>
+              <a:rPr lang="uk-UA" dirty="0" smtClean="0"/>
+              <a:t>Абстракція процесів – перерахування</a:t>
+            </a:r>
+            <a:r>
+              <a:rPr lang="uk-UA" baseline="0" dirty="0" smtClean="0"/>
+              <a:t> грошей.</a:t>
+            </a:r>
+          </a:p>
+          <a:p>
+            <a:r>
+              <a:rPr lang="uk-UA" baseline="0" dirty="0" smtClean="0"/>
+              <a:t>Абстракція має бути видима і відчутна. Покажи мені абстракцію процесу “ перерахування грошей “</a:t>
+            </a:r>
+            <a:endParaRPr lang="uk-UA" dirty="0"/>
+          </a:p>
+        </p:txBody>
+      </p:sp>
+      <p:sp>
+        <p:nvSpPr>
+          <p:cNvPr id="4" name="Номер слайда 3"/>
+          <p:cNvSpPr>
+            <a:spLocks noGrp="1"/>
+          </p:cNvSpPr>
+          <p:nvPr>
+            <p:ph type="sldNum" sz="quarter" idx="10"/>
+          </p:nvPr>
+        </p:nvSpPr>
+        <p:spPr/>
+        <p:txBody>
+          <a:bodyPr/>
+          <a:lstStyle/>
+          <a:p>
+            <a:fld id="{DB4A1B7F-8C57-49E9-941A-8E21510268CD}" type="slidenum">
+              <a:rPr lang="uk-UA" smtClean="0"/>
+              <a:pPr/>
+              <a:t>9</a:t>
+            </a:fld>
+            <a:endParaRPr lang="uk-UA"/>
+          </a:p>
+        </p:txBody>
+      </p:sp>
+    </p:spTree>
+  </p:cSld>
+  <p:clrMapOvr>
+    <a:masterClrMapping/>
+  </p:clrMapOvr>
+</p:notes>
+</file>
+
+<file path=ppt/notesSlides/notesSlide8.xml><?xml version="1.0" encoding="utf-8"?>
+<p:notes xmlns:a="http://schemas.openxmlformats.org/drawingml/2006/main" xmlns:r="http://schemas.openxmlformats.org/officeDocument/2006/relationships" xmlns:p="http://schemas.openxmlformats.org/presentationml/2006/main">
+  <p:cSld>
+    <p:spTree>
+      <p:nvGrpSpPr>
+        <p:cNvPr id="1" name=""/>
+        <p:cNvGrpSpPr/>
+        <p:nvPr/>
+      </p:nvGrpSpPr>
+      <p:grpSpPr>
+        <a:xfrm>
+          <a:off x="0" y="0"/>
+          <a:ext cx="0" cy="0"/>
+          <a:chOff x="0" y="0"/>
+          <a:chExt cx="0" cy="0"/>
+        </a:xfrm>
+      </p:grpSpPr>
+      <p:sp>
+        <p:nvSpPr>
+          <p:cNvPr id="2" name="Образ слайда 1"/>
+          <p:cNvSpPr>
+            <a:spLocks noGrp="1" noRot="1" noChangeAspect="1"/>
+          </p:cNvSpPr>
+          <p:nvPr>
+            <p:ph type="sldImg"/>
+          </p:nvPr>
+        </p:nvSpPr>
+        <p:spPr/>
+      </p:sp>
+      <p:sp>
+        <p:nvSpPr>
+          <p:cNvPr id="3" name="Заметки 2"/>
+          <p:cNvSpPr>
+            <a:spLocks noGrp="1"/>
+          </p:cNvSpPr>
+          <p:nvPr>
+            <p:ph type="body" idx="1"/>
+          </p:nvPr>
+        </p:nvSpPr>
+        <p:spPr/>
+        <p:txBody>
+          <a:bodyPr>
+            <a:normAutofit/>
+          </a:bodyPr>
+          <a:lstStyle/>
+          <a:p>
+            <a:endParaRPr lang="uk-UA" dirty="0"/>
+          </a:p>
+        </p:txBody>
+      </p:sp>
+      <p:sp>
+        <p:nvSpPr>
+          <p:cNvPr id="4" name="Номер слайда 3"/>
+          <p:cNvSpPr>
+            <a:spLocks noGrp="1"/>
+          </p:cNvSpPr>
+          <p:nvPr>
+            <p:ph type="sldNum" sz="quarter" idx="10"/>
+          </p:nvPr>
+        </p:nvSpPr>
+        <p:spPr/>
+        <p:txBody>
+          <a:bodyPr/>
+          <a:lstStyle/>
+          <a:p>
+            <a:fld id="{DB4A1B7F-8C57-49E9-941A-8E21510268CD}" type="slidenum">
+              <a:rPr lang="uk-UA" smtClean="0"/>
+              <a:pPr/>
+              <a:t>10</a:t>
+            </a:fld>
+            <a:endParaRPr lang="uk-UA"/>
+          </a:p>
+        </p:txBody>
+      </p:sp>
+    </p:spTree>
+  </p:cSld>
+  <p:clrMapOvr>
+    <a:masterClrMapping/>
+  </p:clrMapOvr>
+</p:notes>
+</file>
+
+<file path=ppt/notesSlides/notesSlide9.xml><?xml version="1.0" encoding="utf-8"?>
+<p:notes xmlns:a="http://schemas.openxmlformats.org/drawingml/2006/main" xmlns:r="http://schemas.openxmlformats.org/officeDocument/2006/relationships" xmlns:p="http://schemas.openxmlformats.org/presentationml/2006/main">
+  <p:cSld>
+    <p:spTree>
+      <p:nvGrpSpPr>
+        <p:cNvPr id="1" name=""/>
+        <p:cNvGrpSpPr/>
+        <p:nvPr/>
+      </p:nvGrpSpPr>
+      <p:grpSpPr>
+        <a:xfrm>
+          <a:off x="0" y="0"/>
+          <a:ext cx="0" cy="0"/>
+          <a:chOff x="0" y="0"/>
+          <a:chExt cx="0" cy="0"/>
+        </a:xfrm>
+      </p:grpSpPr>
+      <p:sp>
+        <p:nvSpPr>
+          <p:cNvPr id="2" name="Образ слайда 1"/>
+          <p:cNvSpPr>
+            <a:spLocks noGrp="1" noRot="1" noChangeAspect="1"/>
+          </p:cNvSpPr>
+          <p:nvPr>
+            <p:ph type="sldImg"/>
+          </p:nvPr>
+        </p:nvSpPr>
+        <p:spPr/>
+      </p:sp>
+      <p:sp>
+        <p:nvSpPr>
+          <p:cNvPr id="3" name="Заметки 2"/>
+          <p:cNvSpPr>
+            <a:spLocks noGrp="1"/>
+          </p:cNvSpPr>
+          <p:nvPr>
+            <p:ph type="body" idx="1"/>
+          </p:nvPr>
+        </p:nvSpPr>
+        <p:spPr/>
+        <p:txBody>
+          <a:bodyPr>
+            <a:normAutofit/>
+          </a:bodyPr>
+          <a:lstStyle/>
+          <a:p>
+            <a:r>
+              <a:rPr lang="uk-UA" noProof="0" dirty="0" smtClean="0"/>
+              <a:t>Це розріз, насправді ми дивимось з верху.</a:t>
+            </a:r>
+          </a:p>
+          <a:p>
+            <a:r>
+              <a:rPr lang="ru-RU" noProof="0" dirty="0" err="1" smtClean="0"/>
+              <a:t>Нижча</a:t>
+            </a:r>
+            <a:r>
+              <a:rPr lang="ru-RU" baseline="0" noProof="0" dirty="0" smtClean="0"/>
+              <a:t> </a:t>
+            </a:r>
+            <a:r>
+              <a:rPr lang="ru-RU" baseline="0" noProof="0" dirty="0" err="1" smtClean="0"/>
+              <a:t>абстр</a:t>
+            </a:r>
+            <a:endParaRPr lang="en-US" noProof="0" dirty="0" smtClean="0"/>
+          </a:p>
+        </p:txBody>
+      </p:sp>
+      <p:sp>
+        <p:nvSpPr>
+          <p:cNvPr id="4" name="Номер слайда 3"/>
+          <p:cNvSpPr>
+            <a:spLocks noGrp="1"/>
+          </p:cNvSpPr>
+          <p:nvPr>
+            <p:ph type="sldNum" sz="quarter" idx="10"/>
+          </p:nvPr>
+        </p:nvSpPr>
+        <p:spPr/>
+        <p:txBody>
+          <a:bodyPr/>
+          <a:lstStyle/>
+          <a:p>
+            <a:fld id="{DB4A1B7F-8C57-49E9-941A-8E21510268CD}" type="slidenum">
+              <a:rPr lang="uk-UA" smtClean="0"/>
+              <a:pPr/>
+              <a:t>11</a:t>
             </a:fld>
             <a:endParaRPr lang="uk-UA"/>
           </a:p>
@@ -1007,7 +2101,8 @@
           <a:p>
             <a:fld id="{A3F7E576-6A9F-4C34-BD1A-EDB300CB9266}" type="datetimeFigureOut">
               <a:rPr lang="uk-UA" smtClean="0"/>
-              <a:t>05.04.2011</a:t>
+              <a:pPr/>
+              <a:t>07.07.2011</a:t>
             </a:fld>
             <a:endParaRPr lang="uk-UA"/>
           </a:p>
@@ -1049,6 +2144,7 @@
           <a:p>
             <a:fld id="{744975F7-7009-4CB6-8F39-E86452568AF3}" type="slidenum">
               <a:rPr lang="uk-UA" smtClean="0"/>
+              <a:pPr/>
               <a:t>‹#›</a:t>
             </a:fld>
             <a:endParaRPr lang="uk-UA"/>
@@ -1172,7 +2268,8 @@
           <a:p>
             <a:fld id="{A3F7E576-6A9F-4C34-BD1A-EDB300CB9266}" type="datetimeFigureOut">
               <a:rPr lang="uk-UA" smtClean="0"/>
-              <a:t>05.04.2011</a:t>
+              <a:pPr/>
+              <a:t>07.07.2011</a:t>
             </a:fld>
             <a:endParaRPr lang="uk-UA"/>
           </a:p>
@@ -1214,6 +2311,7 @@
           <a:p>
             <a:fld id="{744975F7-7009-4CB6-8F39-E86452568AF3}" type="slidenum">
               <a:rPr lang="uk-UA" smtClean="0"/>
+              <a:pPr/>
               <a:t>‹#›</a:t>
             </a:fld>
             <a:endParaRPr lang="uk-UA"/>
@@ -1347,7 +2445,8 @@
           <a:p>
             <a:fld id="{A3F7E576-6A9F-4C34-BD1A-EDB300CB9266}" type="datetimeFigureOut">
               <a:rPr lang="uk-UA" smtClean="0"/>
-              <a:t>05.04.2011</a:t>
+              <a:pPr/>
+              <a:t>07.07.2011</a:t>
             </a:fld>
             <a:endParaRPr lang="uk-UA"/>
           </a:p>
@@ -1389,6 +2488,7 @@
           <a:p>
             <a:fld id="{744975F7-7009-4CB6-8F39-E86452568AF3}" type="slidenum">
               <a:rPr lang="uk-UA" smtClean="0"/>
+              <a:pPr/>
               <a:t>‹#›</a:t>
             </a:fld>
             <a:endParaRPr lang="uk-UA"/>
@@ -1512,7 +2612,8 @@
           <a:p>
             <a:fld id="{A3F7E576-6A9F-4C34-BD1A-EDB300CB9266}" type="datetimeFigureOut">
               <a:rPr lang="uk-UA" smtClean="0"/>
-              <a:t>05.04.2011</a:t>
+              <a:pPr/>
+              <a:t>07.07.2011</a:t>
             </a:fld>
             <a:endParaRPr lang="uk-UA"/>
           </a:p>
@@ -1554,6 +2655,7 @@
           <a:p>
             <a:fld id="{744975F7-7009-4CB6-8F39-E86452568AF3}" type="slidenum">
               <a:rPr lang="uk-UA" smtClean="0"/>
+              <a:pPr/>
               <a:t>‹#›</a:t>
             </a:fld>
             <a:endParaRPr lang="uk-UA"/>
@@ -1753,7 +2855,8 @@
           <a:p>
             <a:fld id="{A3F7E576-6A9F-4C34-BD1A-EDB300CB9266}" type="datetimeFigureOut">
               <a:rPr lang="uk-UA" smtClean="0"/>
-              <a:t>05.04.2011</a:t>
+              <a:pPr/>
+              <a:t>07.07.2011</a:t>
             </a:fld>
             <a:endParaRPr lang="uk-UA"/>
           </a:p>
@@ -1795,6 +2898,7 @@
           <a:p>
             <a:fld id="{744975F7-7009-4CB6-8F39-E86452568AF3}" type="slidenum">
               <a:rPr lang="uk-UA" smtClean="0"/>
+              <a:pPr/>
               <a:t>‹#›</a:t>
             </a:fld>
             <a:endParaRPr lang="uk-UA"/>
@@ -2036,7 +3140,8 @@
           <a:p>
             <a:fld id="{A3F7E576-6A9F-4C34-BD1A-EDB300CB9266}" type="datetimeFigureOut">
               <a:rPr lang="uk-UA" smtClean="0"/>
-              <a:t>05.04.2011</a:t>
+              <a:pPr/>
+              <a:t>07.07.2011</a:t>
             </a:fld>
             <a:endParaRPr lang="uk-UA"/>
           </a:p>
@@ -2078,6 +3183,7 @@
           <a:p>
             <a:fld id="{744975F7-7009-4CB6-8F39-E86452568AF3}" type="slidenum">
               <a:rPr lang="uk-UA" smtClean="0"/>
+              <a:pPr/>
               <a:t>‹#›</a:t>
             </a:fld>
             <a:endParaRPr lang="uk-UA"/>
@@ -2453,7 +3559,8 @@
           <a:p>
             <a:fld id="{A3F7E576-6A9F-4C34-BD1A-EDB300CB9266}" type="datetimeFigureOut">
               <a:rPr lang="uk-UA" smtClean="0"/>
-              <a:t>05.04.2011</a:t>
+              <a:pPr/>
+              <a:t>07.07.2011</a:t>
             </a:fld>
             <a:endParaRPr lang="uk-UA"/>
           </a:p>
@@ -2495,6 +3602,7 @@
           <a:p>
             <a:fld id="{744975F7-7009-4CB6-8F39-E86452568AF3}" type="slidenum">
               <a:rPr lang="uk-UA" smtClean="0"/>
+              <a:pPr/>
               <a:t>‹#›</a:t>
             </a:fld>
             <a:endParaRPr lang="uk-UA"/>
@@ -2566,7 +3674,8 @@
           <a:p>
             <a:fld id="{A3F7E576-6A9F-4C34-BD1A-EDB300CB9266}" type="datetimeFigureOut">
               <a:rPr lang="uk-UA" smtClean="0"/>
-              <a:t>05.04.2011</a:t>
+              <a:pPr/>
+              <a:t>07.07.2011</a:t>
             </a:fld>
             <a:endParaRPr lang="uk-UA"/>
           </a:p>
@@ -2608,6 +3717,7 @@
           <a:p>
             <a:fld id="{744975F7-7009-4CB6-8F39-E86452568AF3}" type="slidenum">
               <a:rPr lang="uk-UA" smtClean="0"/>
+              <a:pPr/>
               <a:t>‹#›</a:t>
             </a:fld>
             <a:endParaRPr lang="uk-UA"/>
@@ -2656,7 +3766,8 @@
           <a:p>
             <a:fld id="{A3F7E576-6A9F-4C34-BD1A-EDB300CB9266}" type="datetimeFigureOut">
               <a:rPr lang="uk-UA" smtClean="0"/>
-              <a:t>05.04.2011</a:t>
+              <a:pPr/>
+              <a:t>07.07.2011</a:t>
             </a:fld>
             <a:endParaRPr lang="uk-UA"/>
           </a:p>
@@ -2698,6 +3809,7 @@
           <a:p>
             <a:fld id="{744975F7-7009-4CB6-8F39-E86452568AF3}" type="slidenum">
               <a:rPr lang="uk-UA" smtClean="0"/>
+              <a:pPr/>
               <a:t>‹#›</a:t>
             </a:fld>
             <a:endParaRPr lang="uk-UA"/>
@@ -2928,7 +4040,8 @@
           <a:p>
             <a:fld id="{A3F7E576-6A9F-4C34-BD1A-EDB300CB9266}" type="datetimeFigureOut">
               <a:rPr lang="uk-UA" smtClean="0"/>
-              <a:t>05.04.2011</a:t>
+              <a:pPr/>
+              <a:t>07.07.2011</a:t>
             </a:fld>
             <a:endParaRPr lang="uk-UA"/>
           </a:p>
@@ -2970,6 +4083,7 @@
           <a:p>
             <a:fld id="{744975F7-7009-4CB6-8F39-E86452568AF3}" type="slidenum">
               <a:rPr lang="uk-UA" smtClean="0"/>
+              <a:pPr/>
               <a:t>‹#›</a:t>
             </a:fld>
             <a:endParaRPr lang="uk-UA"/>
@@ -3176,7 +4290,8 @@
           <a:p>
             <a:fld id="{A3F7E576-6A9F-4C34-BD1A-EDB300CB9266}" type="datetimeFigureOut">
               <a:rPr lang="uk-UA" smtClean="0"/>
-              <a:t>05.04.2011</a:t>
+              <a:pPr/>
+              <a:t>07.07.2011</a:t>
             </a:fld>
             <a:endParaRPr lang="uk-UA"/>
           </a:p>
@@ -3218,6 +4333,7 @@
           <a:p>
             <a:fld id="{744975F7-7009-4CB6-8F39-E86452568AF3}" type="slidenum">
               <a:rPr lang="uk-UA" smtClean="0"/>
+              <a:pPr/>
               <a:t>‹#›</a:t>
             </a:fld>
             <a:endParaRPr lang="uk-UA"/>
@@ -3384,7 +4500,8 @@
           <a:p>
             <a:fld id="{A3F7E576-6A9F-4C34-BD1A-EDB300CB9266}" type="datetimeFigureOut">
               <a:rPr lang="uk-UA" smtClean="0"/>
-              <a:t>05.04.2011</a:t>
+              <a:pPr/>
+              <a:t>07.07.2011</a:t>
             </a:fld>
             <a:endParaRPr lang="uk-UA"/>
           </a:p>
@@ -3462,6 +4579,7 @@
           <a:p>
             <a:fld id="{744975F7-7009-4CB6-8F39-E86452568AF3}" type="slidenum">
               <a:rPr lang="uk-UA" smtClean="0"/>
+              <a:pPr/>
               <a:t>‹#›</a:t>
             </a:fld>
             <a:endParaRPr lang="uk-UA"/>
@@ -3775,16 +4893,8 @@
           <a:lstStyle/>
           <a:p>
             <a:r>
-              <a:rPr lang="uk-UA" dirty="0" smtClean="0"/>
-              <a:t>З чого починається</a:t>
-            </a:r>
-            <a:r>
-              <a:rPr lang="uk-UA" baseline="0" dirty="0" smtClean="0"/>
-              <a:t> </a:t>
-            </a:r>
-            <a:r>
-              <a:rPr lang="uk-UA" dirty="0" smtClean="0"/>
-              <a:t>код?</a:t>
+              <a:rPr lang="en-US" dirty="0" smtClean="0"/>
+              <a:t>Software design and SOLI(D)</a:t>
             </a:r>
             <a:endParaRPr lang="uk-UA" dirty="0"/>
           </a:p>
@@ -3844,6 +4954,2024 @@
               <a:t>фото звідси</a:t>
             </a:r>
             <a:endParaRPr lang="uk-UA" sz="1400" dirty="0"/>
+          </a:p>
+        </p:txBody>
+      </p:sp>
+    </p:spTree>
+  </p:cSld>
+  <p:clrMapOvr>
+    <a:masterClrMapping/>
+  </p:clrMapOvr>
+  <p:timing>
+    <p:tnLst>
+      <p:par>
+        <p:cTn id="1" dur="indefinite" restart="never" nodeType="tmRoot"/>
+      </p:par>
+    </p:tnLst>
+  </p:timing>
+</p:sld>
+</file>
+
+<file path=ppt/slides/slide10.xml><?xml version="1.0" encoding="utf-8"?>
+<p:sld xmlns:a="http://schemas.openxmlformats.org/drawingml/2006/main" xmlns:r="http://schemas.openxmlformats.org/officeDocument/2006/relationships" xmlns:p="http://schemas.openxmlformats.org/presentationml/2006/main">
+  <p:cSld>
+    <p:spTree>
+      <p:nvGrpSpPr>
+        <p:cNvPr id="1" name=""/>
+        <p:cNvGrpSpPr/>
+        <p:nvPr/>
+      </p:nvGrpSpPr>
+      <p:grpSpPr>
+        <a:xfrm>
+          <a:off x="0" y="0"/>
+          <a:ext cx="0" cy="0"/>
+          <a:chOff x="0" y="0"/>
+          <a:chExt cx="0" cy="0"/>
+        </a:xfrm>
+      </p:grpSpPr>
+      <p:sp>
+        <p:nvSpPr>
+          <p:cNvPr id="2" name="Заголовок 1"/>
+          <p:cNvSpPr>
+            <a:spLocks noGrp="1"/>
+          </p:cNvSpPr>
+          <p:nvPr>
+            <p:ph type="title"/>
+          </p:nvPr>
+        </p:nvSpPr>
+        <p:spPr>
+          <a:xfrm>
+            <a:off x="467544" y="2492896"/>
+            <a:ext cx="8229600" cy="1143000"/>
+          </a:xfrm>
+        </p:spPr>
+        <p:txBody>
+          <a:bodyPr>
+            <a:normAutofit fontScale="90000"/>
+          </a:bodyPr>
+          <a:lstStyle/>
+          <a:p>
+            <a:r>
+              <a:rPr lang="uk-UA" dirty="0" smtClean="0"/>
+              <a:t>Як відбувається абстрактна дія (процес)</a:t>
+            </a:r>
+            <a:endParaRPr lang="uk-UA" dirty="0"/>
+          </a:p>
+        </p:txBody>
+      </p:sp>
+    </p:spTree>
+  </p:cSld>
+  <p:clrMapOvr>
+    <a:masterClrMapping/>
+  </p:clrMapOvr>
+</p:sld>
+</file>
+
+<file path=ppt/slides/slide11.xml><?xml version="1.0" encoding="utf-8"?>
+<p:sld xmlns:a="http://schemas.openxmlformats.org/drawingml/2006/main" xmlns:r="http://schemas.openxmlformats.org/officeDocument/2006/relationships" xmlns:p="http://schemas.openxmlformats.org/presentationml/2006/main">
+  <p:cSld>
+    <p:spTree>
+      <p:nvGrpSpPr>
+        <p:cNvPr id="1" name=""/>
+        <p:cNvGrpSpPr/>
+        <p:nvPr/>
+      </p:nvGrpSpPr>
+      <p:grpSpPr>
+        <a:xfrm>
+          <a:off x="0" y="0"/>
+          <a:ext cx="0" cy="0"/>
+          <a:chOff x="0" y="0"/>
+          <a:chExt cx="0" cy="0"/>
+        </a:xfrm>
+      </p:grpSpPr>
+      <p:sp>
+        <p:nvSpPr>
+          <p:cNvPr id="16" name="Прямоугольник 15"/>
+          <p:cNvSpPr/>
+          <p:nvPr/>
+        </p:nvSpPr>
+        <p:spPr>
+          <a:xfrm>
+            <a:off x="3635896" y="4725144"/>
+            <a:ext cx="576064" cy="720080"/>
+          </a:xfrm>
+          <a:prstGeom prst="rect">
+            <a:avLst/>
+          </a:prstGeom>
+        </p:spPr>
+        <p:style>
+          <a:lnRef idx="2">
+            <a:schemeClr val="accent1">
+              <a:shade val="50000"/>
+            </a:schemeClr>
+          </a:lnRef>
+          <a:fillRef idx="1">
+            <a:schemeClr val="accent1"/>
+          </a:fillRef>
+          <a:effectRef idx="0">
+            <a:schemeClr val="accent1"/>
+          </a:effectRef>
+          <a:fontRef idx="minor">
+            <a:schemeClr val="lt1"/>
+          </a:fontRef>
+        </p:style>
+        <p:txBody>
+          <a:bodyPr rtlCol="0" anchor="ctr"/>
+          <a:lstStyle/>
+          <a:p>
+            <a:pPr algn="ctr"/>
+            <a:endParaRPr lang="uk-UA"/>
+          </a:p>
+        </p:txBody>
+      </p:sp>
+      <p:sp>
+        <p:nvSpPr>
+          <p:cNvPr id="17" name="Прямоугольник 16"/>
+          <p:cNvSpPr/>
+          <p:nvPr/>
+        </p:nvSpPr>
+        <p:spPr>
+          <a:xfrm>
+            <a:off x="4716016" y="4725144"/>
+            <a:ext cx="576064" cy="720080"/>
+          </a:xfrm>
+          <a:prstGeom prst="rect">
+            <a:avLst/>
+          </a:prstGeom>
+        </p:spPr>
+        <p:style>
+          <a:lnRef idx="2">
+            <a:schemeClr val="accent1">
+              <a:shade val="50000"/>
+            </a:schemeClr>
+          </a:lnRef>
+          <a:fillRef idx="1">
+            <a:schemeClr val="accent1"/>
+          </a:fillRef>
+          <a:effectRef idx="0">
+            <a:schemeClr val="accent1"/>
+          </a:effectRef>
+          <a:fontRef idx="minor">
+            <a:schemeClr val="lt1"/>
+          </a:fontRef>
+        </p:style>
+        <p:txBody>
+          <a:bodyPr rtlCol="0" anchor="ctr"/>
+          <a:lstStyle/>
+          <a:p>
+            <a:pPr algn="ctr"/>
+            <a:endParaRPr lang="uk-UA"/>
+          </a:p>
+        </p:txBody>
+      </p:sp>
+      <p:sp>
+        <p:nvSpPr>
+          <p:cNvPr id="18" name="Прямоугольник 17"/>
+          <p:cNvSpPr/>
+          <p:nvPr/>
+        </p:nvSpPr>
+        <p:spPr>
+          <a:xfrm>
+            <a:off x="5796136" y="4725144"/>
+            <a:ext cx="576064" cy="720080"/>
+          </a:xfrm>
+          <a:prstGeom prst="rect">
+            <a:avLst/>
+          </a:prstGeom>
+        </p:spPr>
+        <p:style>
+          <a:lnRef idx="2">
+            <a:schemeClr val="accent1">
+              <a:shade val="50000"/>
+            </a:schemeClr>
+          </a:lnRef>
+          <a:fillRef idx="1">
+            <a:schemeClr val="accent1"/>
+          </a:fillRef>
+          <a:effectRef idx="0">
+            <a:schemeClr val="accent1"/>
+          </a:effectRef>
+          <a:fontRef idx="minor">
+            <a:schemeClr val="lt1"/>
+          </a:fontRef>
+        </p:style>
+        <p:txBody>
+          <a:bodyPr rtlCol="0" anchor="ctr"/>
+          <a:lstStyle/>
+          <a:p>
+            <a:pPr algn="ctr"/>
+            <a:endParaRPr lang="uk-UA"/>
+          </a:p>
+        </p:txBody>
+      </p:sp>
+      <p:sp>
+        <p:nvSpPr>
+          <p:cNvPr id="19" name="Прямоугольник 18"/>
+          <p:cNvSpPr/>
+          <p:nvPr/>
+        </p:nvSpPr>
+        <p:spPr>
+          <a:xfrm>
+            <a:off x="6876256" y="4725144"/>
+            <a:ext cx="576064" cy="720080"/>
+          </a:xfrm>
+          <a:prstGeom prst="rect">
+            <a:avLst/>
+          </a:prstGeom>
+        </p:spPr>
+        <p:style>
+          <a:lnRef idx="2">
+            <a:schemeClr val="accent1">
+              <a:shade val="50000"/>
+            </a:schemeClr>
+          </a:lnRef>
+          <a:fillRef idx="1">
+            <a:schemeClr val="accent1"/>
+          </a:fillRef>
+          <a:effectRef idx="0">
+            <a:schemeClr val="accent1"/>
+          </a:effectRef>
+          <a:fontRef idx="minor">
+            <a:schemeClr val="lt1"/>
+          </a:fontRef>
+        </p:style>
+        <p:txBody>
+          <a:bodyPr rtlCol="0" anchor="ctr"/>
+          <a:lstStyle/>
+          <a:p>
+            <a:pPr algn="ctr"/>
+            <a:endParaRPr lang="uk-UA"/>
+          </a:p>
+        </p:txBody>
+      </p:sp>
+      <p:sp>
+        <p:nvSpPr>
+          <p:cNvPr id="20" name="Прямоугольник 19"/>
+          <p:cNvSpPr/>
+          <p:nvPr/>
+        </p:nvSpPr>
+        <p:spPr>
+          <a:xfrm>
+            <a:off x="7812360" y="4725144"/>
+            <a:ext cx="576064" cy="720080"/>
+          </a:xfrm>
+          <a:prstGeom prst="rect">
+            <a:avLst/>
+          </a:prstGeom>
+        </p:spPr>
+        <p:style>
+          <a:lnRef idx="2">
+            <a:schemeClr val="accent1">
+              <a:shade val="50000"/>
+            </a:schemeClr>
+          </a:lnRef>
+          <a:fillRef idx="1">
+            <a:schemeClr val="accent1"/>
+          </a:fillRef>
+          <a:effectRef idx="0">
+            <a:schemeClr val="accent1"/>
+          </a:effectRef>
+          <a:fontRef idx="minor">
+            <a:schemeClr val="lt1"/>
+          </a:fontRef>
+        </p:style>
+        <p:txBody>
+          <a:bodyPr rtlCol="0" anchor="ctr"/>
+          <a:lstStyle/>
+          <a:p>
+            <a:pPr algn="ctr"/>
+            <a:endParaRPr lang="uk-UA"/>
+          </a:p>
+        </p:txBody>
+      </p:sp>
+      <p:sp>
+        <p:nvSpPr>
+          <p:cNvPr id="6" name="Прямоугольник 5"/>
+          <p:cNvSpPr/>
+          <p:nvPr/>
+        </p:nvSpPr>
+        <p:spPr>
+          <a:xfrm>
+            <a:off x="1979712" y="1340768"/>
+            <a:ext cx="1008112" cy="1368152"/>
+          </a:xfrm>
+          <a:prstGeom prst="rect">
+            <a:avLst/>
+          </a:prstGeom>
+        </p:spPr>
+        <p:style>
+          <a:lnRef idx="2">
+            <a:schemeClr val="accent1">
+              <a:shade val="50000"/>
+            </a:schemeClr>
+          </a:lnRef>
+          <a:fillRef idx="1">
+            <a:schemeClr val="accent1"/>
+          </a:fillRef>
+          <a:effectRef idx="0">
+            <a:schemeClr val="accent1"/>
+          </a:effectRef>
+          <a:fontRef idx="minor">
+            <a:schemeClr val="lt1"/>
+          </a:fontRef>
+        </p:style>
+        <p:txBody>
+          <a:bodyPr rtlCol="0" anchor="ctr"/>
+          <a:lstStyle/>
+          <a:p>
+            <a:pPr algn="ctr"/>
+            <a:endParaRPr lang="uk-UA"/>
+          </a:p>
+        </p:txBody>
+      </p:sp>
+      <p:sp>
+        <p:nvSpPr>
+          <p:cNvPr id="8" name="Прямоугольник 7"/>
+          <p:cNvSpPr/>
+          <p:nvPr/>
+        </p:nvSpPr>
+        <p:spPr>
+          <a:xfrm>
+            <a:off x="3563888" y="3140968"/>
+            <a:ext cx="720080" cy="936104"/>
+          </a:xfrm>
+          <a:prstGeom prst="rect">
+            <a:avLst/>
+          </a:prstGeom>
+        </p:spPr>
+        <p:style>
+          <a:lnRef idx="2">
+            <a:schemeClr val="accent1">
+              <a:shade val="50000"/>
+            </a:schemeClr>
+          </a:lnRef>
+          <a:fillRef idx="1">
+            <a:schemeClr val="accent1"/>
+          </a:fillRef>
+          <a:effectRef idx="0">
+            <a:schemeClr val="accent1"/>
+          </a:effectRef>
+          <a:fontRef idx="minor">
+            <a:schemeClr val="lt1"/>
+          </a:fontRef>
+        </p:style>
+        <p:txBody>
+          <a:bodyPr rtlCol="0" anchor="ctr"/>
+          <a:lstStyle/>
+          <a:p>
+            <a:pPr algn="ctr"/>
+            <a:endParaRPr lang="uk-UA"/>
+          </a:p>
+        </p:txBody>
+      </p:sp>
+      <p:cxnSp>
+        <p:nvCxnSpPr>
+          <p:cNvPr id="22" name="Прямая со стрелкой 21"/>
+          <p:cNvCxnSpPr>
+            <a:endCxn id="5" idx="0"/>
+          </p:cNvCxnSpPr>
+          <p:nvPr/>
+        </p:nvCxnSpPr>
+        <p:spPr>
+          <a:xfrm rot="10800000" flipV="1">
+            <a:off x="1259632" y="2564904"/>
+            <a:ext cx="720080" cy="576064"/>
+          </a:xfrm>
+          <a:prstGeom prst="straightConnector1">
+            <a:avLst/>
+          </a:prstGeom>
+          <a:ln>
+            <a:tailEnd type="arrow"/>
+          </a:ln>
+        </p:spPr>
+        <p:style>
+          <a:lnRef idx="1">
+            <a:schemeClr val="accent1"/>
+          </a:lnRef>
+          <a:fillRef idx="0">
+            <a:schemeClr val="accent1"/>
+          </a:fillRef>
+          <a:effectRef idx="0">
+            <a:schemeClr val="accent1"/>
+          </a:effectRef>
+          <a:fontRef idx="minor">
+            <a:schemeClr val="tx1"/>
+          </a:fontRef>
+        </p:style>
+      </p:cxnSp>
+      <p:cxnSp>
+        <p:nvCxnSpPr>
+          <p:cNvPr id="24" name="Прямая со стрелкой 23"/>
+          <p:cNvCxnSpPr>
+            <a:stCxn id="6" idx="2"/>
+          </p:cNvCxnSpPr>
+          <p:nvPr/>
+        </p:nvCxnSpPr>
+        <p:spPr>
+          <a:xfrm rot="16200000" flipH="1">
+            <a:off x="2339752" y="2852936"/>
+            <a:ext cx="432048" cy="144016"/>
+          </a:xfrm>
+          <a:prstGeom prst="straightConnector1">
+            <a:avLst/>
+          </a:prstGeom>
+          <a:ln>
+            <a:tailEnd type="arrow"/>
+          </a:ln>
+        </p:spPr>
+        <p:style>
+          <a:lnRef idx="1">
+            <a:schemeClr val="accent1"/>
+          </a:lnRef>
+          <a:fillRef idx="0">
+            <a:schemeClr val="accent1"/>
+          </a:fillRef>
+          <a:effectRef idx="0">
+            <a:schemeClr val="accent1"/>
+          </a:effectRef>
+          <a:fontRef idx="minor">
+            <a:schemeClr val="tx1"/>
+          </a:fontRef>
+        </p:style>
+      </p:cxnSp>
+      <p:cxnSp>
+        <p:nvCxnSpPr>
+          <p:cNvPr id="28" name="Прямая со стрелкой 27"/>
+          <p:cNvCxnSpPr/>
+          <p:nvPr/>
+        </p:nvCxnSpPr>
+        <p:spPr>
+          <a:xfrm rot="16200000" flipH="1">
+            <a:off x="2987030" y="2565698"/>
+            <a:ext cx="576858" cy="575270"/>
+          </a:xfrm>
+          <a:prstGeom prst="straightConnector1">
+            <a:avLst/>
+          </a:prstGeom>
+          <a:ln>
+            <a:tailEnd type="arrow"/>
+          </a:ln>
+        </p:spPr>
+        <p:style>
+          <a:lnRef idx="1">
+            <a:schemeClr val="accent1"/>
+          </a:lnRef>
+          <a:fillRef idx="0">
+            <a:schemeClr val="accent1"/>
+          </a:fillRef>
+          <a:effectRef idx="0">
+            <a:schemeClr val="accent1"/>
+          </a:effectRef>
+          <a:fontRef idx="minor">
+            <a:schemeClr val="tx1"/>
+          </a:fontRef>
+        </p:style>
+      </p:cxnSp>
+      <p:sp>
+        <p:nvSpPr>
+          <p:cNvPr id="33" name="Прямоугольник 32"/>
+          <p:cNvSpPr/>
+          <p:nvPr/>
+        </p:nvSpPr>
+        <p:spPr>
+          <a:xfrm>
+            <a:off x="3203848" y="332656"/>
+            <a:ext cx="2232248" cy="864096"/>
+          </a:xfrm>
+          <a:prstGeom prst="rect">
+            <a:avLst/>
+          </a:prstGeom>
+        </p:spPr>
+        <p:style>
+          <a:lnRef idx="2">
+            <a:schemeClr val="accent1">
+              <a:shade val="50000"/>
+            </a:schemeClr>
+          </a:lnRef>
+          <a:fillRef idx="1">
+            <a:schemeClr val="accent1"/>
+          </a:fillRef>
+          <a:effectRef idx="0">
+            <a:schemeClr val="accent1"/>
+          </a:effectRef>
+          <a:fontRef idx="minor">
+            <a:schemeClr val="lt1"/>
+          </a:fontRef>
+        </p:style>
+        <p:txBody>
+          <a:bodyPr rtlCol="0" anchor="ctr"/>
+          <a:lstStyle/>
+          <a:p>
+            <a:pPr algn="ctr"/>
+            <a:endParaRPr lang="uk-UA"/>
+          </a:p>
+        </p:txBody>
+      </p:sp>
+      <p:cxnSp>
+        <p:nvCxnSpPr>
+          <p:cNvPr id="35" name="Прямая со стрелкой 34"/>
+          <p:cNvCxnSpPr>
+            <a:stCxn id="33" idx="1"/>
+            <a:endCxn id="6" idx="0"/>
+          </p:cNvCxnSpPr>
+          <p:nvPr/>
+        </p:nvCxnSpPr>
+        <p:spPr>
+          <a:xfrm rot="10800000" flipV="1">
+            <a:off x="2483768" y="764704"/>
+            <a:ext cx="720080" cy="576064"/>
+          </a:xfrm>
+          <a:prstGeom prst="straightConnector1">
+            <a:avLst/>
+          </a:prstGeom>
+          <a:ln>
+            <a:tailEnd type="arrow"/>
+          </a:ln>
+        </p:spPr>
+        <p:style>
+          <a:lnRef idx="1">
+            <a:schemeClr val="accent1"/>
+          </a:lnRef>
+          <a:fillRef idx="0">
+            <a:schemeClr val="accent1"/>
+          </a:fillRef>
+          <a:effectRef idx="0">
+            <a:schemeClr val="accent1"/>
+          </a:effectRef>
+          <a:fontRef idx="minor">
+            <a:schemeClr val="tx1"/>
+          </a:fontRef>
+        </p:style>
+      </p:cxnSp>
+      <p:cxnSp>
+        <p:nvCxnSpPr>
+          <p:cNvPr id="37" name="Прямая со стрелкой 36"/>
+          <p:cNvCxnSpPr>
+            <a:stCxn id="33" idx="3"/>
+          </p:cNvCxnSpPr>
+          <p:nvPr/>
+        </p:nvCxnSpPr>
+        <p:spPr>
+          <a:xfrm>
+            <a:off x="5436096" y="764704"/>
+            <a:ext cx="864096" cy="648072"/>
+          </a:xfrm>
+          <a:prstGeom prst="straightConnector1">
+            <a:avLst/>
+          </a:prstGeom>
+          <a:ln>
+            <a:tailEnd type="arrow"/>
+          </a:ln>
+        </p:spPr>
+        <p:style>
+          <a:lnRef idx="1">
+            <a:schemeClr val="accent1"/>
+          </a:lnRef>
+          <a:fillRef idx="0">
+            <a:schemeClr val="accent1"/>
+          </a:fillRef>
+          <a:effectRef idx="0">
+            <a:schemeClr val="accent1"/>
+          </a:effectRef>
+          <a:fontRef idx="minor">
+            <a:schemeClr val="tx1"/>
+          </a:fontRef>
+        </p:style>
+      </p:cxnSp>
+      <p:sp>
+        <p:nvSpPr>
+          <p:cNvPr id="27" name="Прямоугольник 26"/>
+          <p:cNvSpPr/>
+          <p:nvPr/>
+        </p:nvSpPr>
+        <p:spPr>
+          <a:xfrm>
+            <a:off x="4860032" y="3212976"/>
+            <a:ext cx="720080" cy="936104"/>
+          </a:xfrm>
+          <a:prstGeom prst="rect">
+            <a:avLst/>
+          </a:prstGeom>
+        </p:spPr>
+        <p:style>
+          <a:lnRef idx="2">
+            <a:schemeClr val="accent1">
+              <a:shade val="50000"/>
+            </a:schemeClr>
+          </a:lnRef>
+          <a:fillRef idx="1">
+            <a:schemeClr val="accent1"/>
+          </a:fillRef>
+          <a:effectRef idx="0">
+            <a:schemeClr val="accent1"/>
+          </a:effectRef>
+          <a:fontRef idx="minor">
+            <a:schemeClr val="lt1"/>
+          </a:fontRef>
+        </p:style>
+        <p:txBody>
+          <a:bodyPr rtlCol="0" anchor="ctr"/>
+          <a:lstStyle/>
+          <a:p>
+            <a:pPr algn="ctr"/>
+            <a:endParaRPr lang="uk-UA"/>
+          </a:p>
+        </p:txBody>
+      </p:sp>
+      <p:sp>
+        <p:nvSpPr>
+          <p:cNvPr id="29" name="Прямоугольник 28"/>
+          <p:cNvSpPr/>
+          <p:nvPr/>
+        </p:nvSpPr>
+        <p:spPr>
+          <a:xfrm>
+            <a:off x="5940152" y="1412776"/>
+            <a:ext cx="1008112" cy="1368152"/>
+          </a:xfrm>
+          <a:prstGeom prst="rect">
+            <a:avLst/>
+          </a:prstGeom>
+        </p:spPr>
+        <p:style>
+          <a:lnRef idx="2">
+            <a:schemeClr val="accent1">
+              <a:shade val="50000"/>
+            </a:schemeClr>
+          </a:lnRef>
+          <a:fillRef idx="1">
+            <a:schemeClr val="accent1"/>
+          </a:fillRef>
+          <a:effectRef idx="0">
+            <a:schemeClr val="accent1"/>
+          </a:effectRef>
+          <a:fontRef idx="minor">
+            <a:schemeClr val="lt1"/>
+          </a:fontRef>
+        </p:style>
+        <p:txBody>
+          <a:bodyPr rtlCol="0" anchor="ctr"/>
+          <a:lstStyle/>
+          <a:p>
+            <a:pPr algn="ctr"/>
+            <a:endParaRPr lang="uk-UA"/>
+          </a:p>
+        </p:txBody>
+      </p:sp>
+      <p:sp>
+        <p:nvSpPr>
+          <p:cNvPr id="31" name="Прямоугольник 30"/>
+          <p:cNvSpPr/>
+          <p:nvPr/>
+        </p:nvSpPr>
+        <p:spPr>
+          <a:xfrm>
+            <a:off x="7524328" y="3212976"/>
+            <a:ext cx="720080" cy="936104"/>
+          </a:xfrm>
+          <a:prstGeom prst="rect">
+            <a:avLst/>
+          </a:prstGeom>
+        </p:spPr>
+        <p:style>
+          <a:lnRef idx="2">
+            <a:schemeClr val="accent1">
+              <a:shade val="50000"/>
+            </a:schemeClr>
+          </a:lnRef>
+          <a:fillRef idx="1">
+            <a:schemeClr val="accent1"/>
+          </a:fillRef>
+          <a:effectRef idx="0">
+            <a:schemeClr val="accent1"/>
+          </a:effectRef>
+          <a:fontRef idx="minor">
+            <a:schemeClr val="lt1"/>
+          </a:fontRef>
+        </p:style>
+        <p:txBody>
+          <a:bodyPr rtlCol="0" anchor="ctr"/>
+          <a:lstStyle/>
+          <a:p>
+            <a:pPr algn="ctr"/>
+            <a:endParaRPr lang="uk-UA"/>
+          </a:p>
+        </p:txBody>
+      </p:sp>
+      <p:cxnSp>
+        <p:nvCxnSpPr>
+          <p:cNvPr id="32" name="Прямая со стрелкой 31"/>
+          <p:cNvCxnSpPr>
+            <a:endCxn id="27" idx="0"/>
+          </p:cNvCxnSpPr>
+          <p:nvPr/>
+        </p:nvCxnSpPr>
+        <p:spPr>
+          <a:xfrm rot="10800000" flipV="1">
+            <a:off x="5220072" y="2636912"/>
+            <a:ext cx="720080" cy="576064"/>
+          </a:xfrm>
+          <a:prstGeom prst="straightConnector1">
+            <a:avLst/>
+          </a:prstGeom>
+          <a:ln>
+            <a:tailEnd type="arrow"/>
+          </a:ln>
+        </p:spPr>
+        <p:style>
+          <a:lnRef idx="1">
+            <a:schemeClr val="accent1"/>
+          </a:lnRef>
+          <a:fillRef idx="0">
+            <a:schemeClr val="accent1"/>
+          </a:fillRef>
+          <a:effectRef idx="0">
+            <a:schemeClr val="accent1"/>
+          </a:effectRef>
+          <a:fontRef idx="minor">
+            <a:schemeClr val="tx1"/>
+          </a:fontRef>
+        </p:style>
+      </p:cxnSp>
+      <p:cxnSp>
+        <p:nvCxnSpPr>
+          <p:cNvPr id="36" name="Прямая со стрелкой 35"/>
+          <p:cNvCxnSpPr/>
+          <p:nvPr/>
+        </p:nvCxnSpPr>
+        <p:spPr>
+          <a:xfrm rot="16200000" flipH="1">
+            <a:off x="6947470" y="2637706"/>
+            <a:ext cx="576858" cy="575270"/>
+          </a:xfrm>
+          <a:prstGeom prst="straightConnector1">
+            <a:avLst/>
+          </a:prstGeom>
+          <a:ln>
+            <a:tailEnd type="arrow"/>
+          </a:ln>
+        </p:spPr>
+        <p:style>
+          <a:lnRef idx="1">
+            <a:schemeClr val="accent1"/>
+          </a:lnRef>
+          <a:fillRef idx="0">
+            <a:schemeClr val="accent1"/>
+          </a:fillRef>
+          <a:effectRef idx="0">
+            <a:schemeClr val="accent1"/>
+          </a:effectRef>
+          <a:fontRef idx="minor">
+            <a:schemeClr val="tx1"/>
+          </a:fontRef>
+        </p:style>
+      </p:cxnSp>
+      <p:grpSp>
+        <p:nvGrpSpPr>
+          <p:cNvPr id="57" name="Группа 56"/>
+          <p:cNvGrpSpPr/>
+          <p:nvPr/>
+        </p:nvGrpSpPr>
+        <p:grpSpPr>
+          <a:xfrm>
+            <a:off x="251520" y="3140968"/>
+            <a:ext cx="1440160" cy="2304256"/>
+            <a:chOff x="251520" y="3140968"/>
+            <a:chExt cx="1440160" cy="2304256"/>
+          </a:xfrm>
+        </p:grpSpPr>
+        <p:sp>
+          <p:nvSpPr>
+            <p:cNvPr id="12" name="Прямоугольник 11"/>
+            <p:cNvSpPr/>
+            <p:nvPr/>
+          </p:nvSpPr>
+          <p:spPr>
+            <a:xfrm>
+              <a:off x="251520" y="4725144"/>
+              <a:ext cx="576064" cy="720080"/>
+            </a:xfrm>
+            <a:prstGeom prst="rect">
+              <a:avLst/>
+            </a:prstGeom>
+          </p:spPr>
+          <p:style>
+            <a:lnRef idx="2">
+              <a:schemeClr val="accent1">
+                <a:shade val="50000"/>
+              </a:schemeClr>
+            </a:lnRef>
+            <a:fillRef idx="1">
+              <a:schemeClr val="accent1"/>
+            </a:fillRef>
+            <a:effectRef idx="0">
+              <a:schemeClr val="accent1"/>
+            </a:effectRef>
+            <a:fontRef idx="minor">
+              <a:schemeClr val="lt1"/>
+            </a:fontRef>
+          </p:style>
+          <p:txBody>
+            <a:bodyPr rtlCol="0" anchor="ctr"/>
+            <a:lstStyle/>
+            <a:p>
+              <a:pPr algn="ctr"/>
+              <a:endParaRPr lang="uk-UA"/>
+            </a:p>
+          </p:txBody>
+        </p:sp>
+        <p:sp>
+          <p:nvSpPr>
+            <p:cNvPr id="13" name="Прямоугольник 12"/>
+            <p:cNvSpPr/>
+            <p:nvPr/>
+          </p:nvSpPr>
+          <p:spPr>
+            <a:xfrm>
+              <a:off x="1115616" y="4725144"/>
+              <a:ext cx="576064" cy="720080"/>
+            </a:xfrm>
+            <a:prstGeom prst="rect">
+              <a:avLst/>
+            </a:prstGeom>
+          </p:spPr>
+          <p:style>
+            <a:lnRef idx="2">
+              <a:schemeClr val="accent1">
+                <a:shade val="50000"/>
+              </a:schemeClr>
+            </a:lnRef>
+            <a:fillRef idx="1">
+              <a:schemeClr val="accent1"/>
+            </a:fillRef>
+            <a:effectRef idx="0">
+              <a:schemeClr val="accent1"/>
+            </a:effectRef>
+            <a:fontRef idx="minor">
+              <a:schemeClr val="lt1"/>
+            </a:fontRef>
+          </p:style>
+          <p:txBody>
+            <a:bodyPr rtlCol="0" anchor="ctr"/>
+            <a:lstStyle/>
+            <a:p>
+              <a:pPr algn="ctr"/>
+              <a:endParaRPr lang="uk-UA"/>
+            </a:p>
+          </p:txBody>
+        </p:sp>
+        <p:sp>
+          <p:nvSpPr>
+            <p:cNvPr id="5" name="Прямоугольник 4"/>
+            <p:cNvSpPr/>
+            <p:nvPr/>
+          </p:nvSpPr>
+          <p:spPr>
+            <a:xfrm>
+              <a:off x="899592" y="3140968"/>
+              <a:ext cx="720080" cy="936104"/>
+            </a:xfrm>
+            <a:prstGeom prst="rect">
+              <a:avLst/>
+            </a:prstGeom>
+          </p:spPr>
+          <p:style>
+            <a:lnRef idx="2">
+              <a:schemeClr val="accent1">
+                <a:shade val="50000"/>
+              </a:schemeClr>
+            </a:lnRef>
+            <a:fillRef idx="1">
+              <a:schemeClr val="accent1"/>
+            </a:fillRef>
+            <a:effectRef idx="0">
+              <a:schemeClr val="accent1"/>
+            </a:effectRef>
+            <a:fontRef idx="minor">
+              <a:schemeClr val="lt1"/>
+            </a:fontRef>
+          </p:style>
+          <p:txBody>
+            <a:bodyPr rtlCol="0" anchor="ctr"/>
+            <a:lstStyle/>
+            <a:p>
+              <a:pPr algn="ctr"/>
+              <a:endParaRPr lang="uk-UA"/>
+            </a:p>
+          </p:txBody>
+        </p:sp>
+        <p:cxnSp>
+          <p:nvCxnSpPr>
+            <p:cNvPr id="46" name="Прямая со стрелкой 45"/>
+            <p:cNvCxnSpPr/>
+            <p:nvPr/>
+          </p:nvCxnSpPr>
+          <p:spPr>
+            <a:xfrm rot="10800000" flipV="1">
+              <a:off x="251520" y="4077072"/>
+              <a:ext cx="792088" cy="648072"/>
+            </a:xfrm>
+            <a:prstGeom prst="straightConnector1">
+              <a:avLst/>
+            </a:prstGeom>
+            <a:ln>
+              <a:tailEnd type="arrow"/>
+            </a:ln>
+          </p:spPr>
+          <p:style>
+            <a:lnRef idx="1">
+              <a:schemeClr val="accent1"/>
+            </a:lnRef>
+            <a:fillRef idx="0">
+              <a:schemeClr val="accent1"/>
+            </a:fillRef>
+            <a:effectRef idx="0">
+              <a:schemeClr val="accent1"/>
+            </a:effectRef>
+            <a:fontRef idx="minor">
+              <a:schemeClr val="tx1"/>
+            </a:fontRef>
+          </p:style>
+        </p:cxnSp>
+        <p:cxnSp>
+          <p:nvCxnSpPr>
+            <p:cNvPr id="48" name="Прямая со стрелкой 47"/>
+            <p:cNvCxnSpPr>
+              <a:stCxn id="5" idx="2"/>
+              <a:endCxn id="13" idx="0"/>
+            </p:cNvCxnSpPr>
+            <p:nvPr/>
+          </p:nvCxnSpPr>
+          <p:spPr>
+            <a:xfrm rot="16200000" flipH="1">
+              <a:off x="1007604" y="4329100"/>
+              <a:ext cx="648072" cy="144016"/>
+            </a:xfrm>
+            <a:prstGeom prst="straightConnector1">
+              <a:avLst/>
+            </a:prstGeom>
+            <a:ln>
+              <a:tailEnd type="arrow"/>
+            </a:ln>
+          </p:spPr>
+          <p:style>
+            <a:lnRef idx="1">
+              <a:schemeClr val="accent1"/>
+            </a:lnRef>
+            <a:fillRef idx="0">
+              <a:schemeClr val="accent1"/>
+            </a:fillRef>
+            <a:effectRef idx="0">
+              <a:schemeClr val="accent1"/>
+            </a:effectRef>
+            <a:fontRef idx="minor">
+              <a:schemeClr val="tx1"/>
+            </a:fontRef>
+          </p:style>
+        </p:cxnSp>
+      </p:grpSp>
+      <p:grpSp>
+        <p:nvGrpSpPr>
+          <p:cNvPr id="58" name="Группа 57"/>
+          <p:cNvGrpSpPr/>
+          <p:nvPr/>
+        </p:nvGrpSpPr>
+        <p:grpSpPr>
+          <a:xfrm>
+            <a:off x="1763688" y="3140968"/>
+            <a:ext cx="1440160" cy="2304256"/>
+            <a:chOff x="251520" y="3140968"/>
+            <a:chExt cx="1440160" cy="2304256"/>
+          </a:xfrm>
+        </p:grpSpPr>
+        <p:sp>
+          <p:nvSpPr>
+            <p:cNvPr id="59" name="Прямоугольник 58"/>
+            <p:cNvSpPr/>
+            <p:nvPr/>
+          </p:nvSpPr>
+          <p:spPr>
+            <a:xfrm>
+              <a:off x="251520" y="4725144"/>
+              <a:ext cx="576064" cy="720080"/>
+            </a:xfrm>
+            <a:prstGeom prst="rect">
+              <a:avLst/>
+            </a:prstGeom>
+          </p:spPr>
+          <p:style>
+            <a:lnRef idx="2">
+              <a:schemeClr val="accent1">
+                <a:shade val="50000"/>
+              </a:schemeClr>
+            </a:lnRef>
+            <a:fillRef idx="1">
+              <a:schemeClr val="accent1"/>
+            </a:fillRef>
+            <a:effectRef idx="0">
+              <a:schemeClr val="accent1"/>
+            </a:effectRef>
+            <a:fontRef idx="minor">
+              <a:schemeClr val="lt1"/>
+            </a:fontRef>
+          </p:style>
+          <p:txBody>
+            <a:bodyPr rtlCol="0" anchor="ctr"/>
+            <a:lstStyle/>
+            <a:p>
+              <a:pPr algn="ctr"/>
+              <a:endParaRPr lang="uk-UA"/>
+            </a:p>
+          </p:txBody>
+        </p:sp>
+        <p:sp>
+          <p:nvSpPr>
+            <p:cNvPr id="60" name="Прямоугольник 59"/>
+            <p:cNvSpPr/>
+            <p:nvPr/>
+          </p:nvSpPr>
+          <p:spPr>
+            <a:xfrm>
+              <a:off x="1115616" y="4725144"/>
+              <a:ext cx="576064" cy="720080"/>
+            </a:xfrm>
+            <a:prstGeom prst="rect">
+              <a:avLst/>
+            </a:prstGeom>
+          </p:spPr>
+          <p:style>
+            <a:lnRef idx="2">
+              <a:schemeClr val="accent1">
+                <a:shade val="50000"/>
+              </a:schemeClr>
+            </a:lnRef>
+            <a:fillRef idx="1">
+              <a:schemeClr val="accent1"/>
+            </a:fillRef>
+            <a:effectRef idx="0">
+              <a:schemeClr val="accent1"/>
+            </a:effectRef>
+            <a:fontRef idx="minor">
+              <a:schemeClr val="lt1"/>
+            </a:fontRef>
+          </p:style>
+          <p:txBody>
+            <a:bodyPr rtlCol="0" anchor="ctr"/>
+            <a:lstStyle/>
+            <a:p>
+              <a:pPr algn="ctr"/>
+              <a:endParaRPr lang="uk-UA"/>
+            </a:p>
+          </p:txBody>
+        </p:sp>
+        <p:sp>
+          <p:nvSpPr>
+            <p:cNvPr id="61" name="Прямоугольник 60"/>
+            <p:cNvSpPr/>
+            <p:nvPr/>
+          </p:nvSpPr>
+          <p:spPr>
+            <a:xfrm>
+              <a:off x="899592" y="3140968"/>
+              <a:ext cx="720080" cy="936104"/>
+            </a:xfrm>
+            <a:prstGeom prst="rect">
+              <a:avLst/>
+            </a:prstGeom>
+          </p:spPr>
+          <p:style>
+            <a:lnRef idx="2">
+              <a:schemeClr val="accent1">
+                <a:shade val="50000"/>
+              </a:schemeClr>
+            </a:lnRef>
+            <a:fillRef idx="1">
+              <a:schemeClr val="accent1"/>
+            </a:fillRef>
+            <a:effectRef idx="0">
+              <a:schemeClr val="accent1"/>
+            </a:effectRef>
+            <a:fontRef idx="minor">
+              <a:schemeClr val="lt1"/>
+            </a:fontRef>
+          </p:style>
+          <p:txBody>
+            <a:bodyPr rtlCol="0" anchor="ctr"/>
+            <a:lstStyle/>
+            <a:p>
+              <a:pPr algn="ctr"/>
+              <a:endParaRPr lang="uk-UA"/>
+            </a:p>
+          </p:txBody>
+        </p:sp>
+        <p:cxnSp>
+          <p:nvCxnSpPr>
+            <p:cNvPr id="62" name="Прямая со стрелкой 61"/>
+            <p:cNvCxnSpPr/>
+            <p:nvPr/>
+          </p:nvCxnSpPr>
+          <p:spPr>
+            <a:xfrm rot="10800000" flipV="1">
+              <a:off x="251520" y="4077072"/>
+              <a:ext cx="792088" cy="648072"/>
+            </a:xfrm>
+            <a:prstGeom prst="straightConnector1">
+              <a:avLst/>
+            </a:prstGeom>
+            <a:ln>
+              <a:tailEnd type="arrow"/>
+            </a:ln>
+          </p:spPr>
+          <p:style>
+            <a:lnRef idx="1">
+              <a:schemeClr val="accent1"/>
+            </a:lnRef>
+            <a:fillRef idx="0">
+              <a:schemeClr val="accent1"/>
+            </a:fillRef>
+            <a:effectRef idx="0">
+              <a:schemeClr val="accent1"/>
+            </a:effectRef>
+            <a:fontRef idx="minor">
+              <a:schemeClr val="tx1"/>
+            </a:fontRef>
+          </p:style>
+        </p:cxnSp>
+        <p:cxnSp>
+          <p:nvCxnSpPr>
+            <p:cNvPr id="63" name="Прямая со стрелкой 62"/>
+            <p:cNvCxnSpPr>
+              <a:stCxn id="61" idx="2"/>
+              <a:endCxn id="60" idx="0"/>
+            </p:cNvCxnSpPr>
+            <p:nvPr/>
+          </p:nvCxnSpPr>
+          <p:spPr>
+            <a:xfrm rot="16200000" flipH="1">
+              <a:off x="1007604" y="4329100"/>
+              <a:ext cx="648072" cy="144016"/>
+            </a:xfrm>
+            <a:prstGeom prst="straightConnector1">
+              <a:avLst/>
+            </a:prstGeom>
+            <a:ln>
+              <a:tailEnd type="arrow"/>
+            </a:ln>
+          </p:spPr>
+          <p:style>
+            <a:lnRef idx="1">
+              <a:schemeClr val="accent1"/>
+            </a:lnRef>
+            <a:fillRef idx="0">
+              <a:schemeClr val="accent1"/>
+            </a:fillRef>
+            <a:effectRef idx="0">
+              <a:schemeClr val="accent1"/>
+            </a:effectRef>
+            <a:fontRef idx="minor">
+              <a:schemeClr val="tx1"/>
+            </a:fontRef>
+          </p:style>
+        </p:cxnSp>
+      </p:grpSp>
+      <p:cxnSp>
+        <p:nvCxnSpPr>
+          <p:cNvPr id="64" name="Прямая со стрелкой 63"/>
+          <p:cNvCxnSpPr>
+            <a:stCxn id="8" idx="2"/>
+            <a:endCxn id="16" idx="0"/>
+          </p:cNvCxnSpPr>
+          <p:nvPr/>
+        </p:nvCxnSpPr>
+        <p:spPr>
+          <a:xfrm rot="5400000">
+            <a:off x="3599892" y="4401108"/>
+            <a:ext cx="648072" cy="1588"/>
+          </a:xfrm>
+          <a:prstGeom prst="straightConnector1">
+            <a:avLst/>
+          </a:prstGeom>
+          <a:ln>
+            <a:tailEnd type="arrow"/>
+          </a:ln>
+        </p:spPr>
+        <p:style>
+          <a:lnRef idx="1">
+            <a:schemeClr val="accent1"/>
+          </a:lnRef>
+          <a:fillRef idx="0">
+            <a:schemeClr val="accent1"/>
+          </a:fillRef>
+          <a:effectRef idx="0">
+            <a:schemeClr val="accent1"/>
+          </a:effectRef>
+          <a:fontRef idx="minor">
+            <a:schemeClr val="tx1"/>
+          </a:fontRef>
+        </p:style>
+      </p:cxnSp>
+      <p:cxnSp>
+        <p:nvCxnSpPr>
+          <p:cNvPr id="67" name="Прямая со стрелкой 66"/>
+          <p:cNvCxnSpPr>
+            <a:stCxn id="27" idx="2"/>
+          </p:cNvCxnSpPr>
+          <p:nvPr/>
+        </p:nvCxnSpPr>
+        <p:spPr>
+          <a:xfrm rot="5400000">
+            <a:off x="4824028" y="4329100"/>
+            <a:ext cx="576064" cy="216024"/>
+          </a:xfrm>
+          <a:prstGeom prst="straightConnector1">
+            <a:avLst/>
+          </a:prstGeom>
+          <a:ln>
+            <a:tailEnd type="arrow"/>
+          </a:ln>
+        </p:spPr>
+        <p:style>
+          <a:lnRef idx="1">
+            <a:schemeClr val="accent1"/>
+          </a:lnRef>
+          <a:fillRef idx="0">
+            <a:schemeClr val="accent1"/>
+          </a:fillRef>
+          <a:effectRef idx="0">
+            <a:schemeClr val="accent1"/>
+          </a:effectRef>
+          <a:fontRef idx="minor">
+            <a:schemeClr val="tx1"/>
+          </a:fontRef>
+        </p:style>
+      </p:cxnSp>
+      <p:cxnSp>
+        <p:nvCxnSpPr>
+          <p:cNvPr id="71" name="Прямая со стрелкой 70"/>
+          <p:cNvCxnSpPr/>
+          <p:nvPr/>
+        </p:nvCxnSpPr>
+        <p:spPr>
+          <a:xfrm rot="16200000" flipH="1">
+            <a:off x="5579318" y="4149874"/>
+            <a:ext cx="576858" cy="575270"/>
+          </a:xfrm>
+          <a:prstGeom prst="straightConnector1">
+            <a:avLst/>
+          </a:prstGeom>
+          <a:ln>
+            <a:tailEnd type="arrow"/>
+          </a:ln>
+        </p:spPr>
+        <p:style>
+          <a:lnRef idx="1">
+            <a:schemeClr val="accent1"/>
+          </a:lnRef>
+          <a:fillRef idx="0">
+            <a:schemeClr val="accent1"/>
+          </a:fillRef>
+          <a:effectRef idx="0">
+            <a:schemeClr val="accent1"/>
+          </a:effectRef>
+          <a:fontRef idx="minor">
+            <a:schemeClr val="tx1"/>
+          </a:fontRef>
+        </p:style>
+      </p:cxnSp>
+      <p:cxnSp>
+        <p:nvCxnSpPr>
+          <p:cNvPr id="72" name="Прямая со стрелкой 71"/>
+          <p:cNvCxnSpPr>
+            <a:endCxn id="20" idx="0"/>
+          </p:cNvCxnSpPr>
+          <p:nvPr/>
+        </p:nvCxnSpPr>
+        <p:spPr>
+          <a:xfrm rot="16200000" flipH="1">
+            <a:off x="7740352" y="4365104"/>
+            <a:ext cx="576064" cy="144016"/>
+          </a:xfrm>
+          <a:prstGeom prst="straightConnector1">
+            <a:avLst/>
+          </a:prstGeom>
+          <a:ln>
+            <a:tailEnd type="arrow"/>
+          </a:ln>
+        </p:spPr>
+        <p:style>
+          <a:lnRef idx="1">
+            <a:schemeClr val="accent1"/>
+          </a:lnRef>
+          <a:fillRef idx="0">
+            <a:schemeClr val="accent1"/>
+          </a:fillRef>
+          <a:effectRef idx="0">
+            <a:schemeClr val="accent1"/>
+          </a:effectRef>
+          <a:fontRef idx="minor">
+            <a:schemeClr val="tx1"/>
+          </a:fontRef>
+        </p:style>
+      </p:cxnSp>
+      <p:cxnSp>
+        <p:nvCxnSpPr>
+          <p:cNvPr id="74" name="Прямая со стрелкой 73"/>
+          <p:cNvCxnSpPr>
+            <a:stCxn id="31" idx="2"/>
+          </p:cNvCxnSpPr>
+          <p:nvPr/>
+        </p:nvCxnSpPr>
+        <p:spPr>
+          <a:xfrm rot="5400000">
+            <a:off x="7236296" y="4077072"/>
+            <a:ext cx="576064" cy="720080"/>
+          </a:xfrm>
+          <a:prstGeom prst="straightConnector1">
+            <a:avLst/>
+          </a:prstGeom>
+          <a:ln>
+            <a:tailEnd type="arrow"/>
+          </a:ln>
+        </p:spPr>
+        <p:style>
+          <a:lnRef idx="1">
+            <a:schemeClr val="accent1"/>
+          </a:lnRef>
+          <a:fillRef idx="0">
+            <a:schemeClr val="accent1"/>
+          </a:fillRef>
+          <a:effectRef idx="0">
+            <a:schemeClr val="accent1"/>
+          </a:effectRef>
+          <a:fontRef idx="minor">
+            <a:schemeClr val="tx1"/>
+          </a:fontRef>
+        </p:style>
+      </p:cxnSp>
+    </p:spTree>
+  </p:cSld>
+  <p:clrMapOvr>
+    <a:masterClrMapping/>
+  </p:clrMapOvr>
+</p:sld>
+</file>
+
+<file path=ppt/slides/slide12.xml><?xml version="1.0" encoding="utf-8"?>
+<p:sld xmlns:a="http://schemas.openxmlformats.org/drawingml/2006/main" xmlns:r="http://schemas.openxmlformats.org/officeDocument/2006/relationships" xmlns:p="http://schemas.openxmlformats.org/presentationml/2006/main">
+  <p:cSld>
+    <p:spTree>
+      <p:nvGrpSpPr>
+        <p:cNvPr id="1" name=""/>
+        <p:cNvGrpSpPr/>
+        <p:nvPr/>
+      </p:nvGrpSpPr>
+      <p:grpSpPr>
+        <a:xfrm>
+          <a:off x="0" y="0"/>
+          <a:ext cx="0" cy="0"/>
+          <a:chOff x="0" y="0"/>
+          <a:chExt cx="0" cy="0"/>
+        </a:xfrm>
+      </p:grpSpPr>
+      <p:sp>
+        <p:nvSpPr>
+          <p:cNvPr id="2" name="Заголовок 1"/>
+          <p:cNvSpPr>
+            <a:spLocks noGrp="1"/>
+          </p:cNvSpPr>
+          <p:nvPr>
+            <p:ph type="title"/>
+          </p:nvPr>
+        </p:nvSpPr>
+        <p:spPr/>
+        <p:txBody>
+          <a:bodyPr/>
+          <a:lstStyle/>
+          <a:p>
+            <a:r>
+              <a:rPr lang="uk-UA" dirty="0" smtClean="0"/>
+              <a:t>Виконавець</a:t>
+            </a:r>
+            <a:endParaRPr lang="uk-UA" dirty="0"/>
+          </a:p>
+        </p:txBody>
+      </p:sp>
+      <p:sp>
+        <p:nvSpPr>
+          <p:cNvPr id="3" name="Содержимое 2"/>
+          <p:cNvSpPr>
+            <a:spLocks noGrp="1"/>
+          </p:cNvSpPr>
+          <p:nvPr>
+            <p:ph idx="1"/>
+          </p:nvPr>
+        </p:nvSpPr>
+        <p:spPr/>
+        <p:txBody>
+          <a:bodyPr/>
+          <a:lstStyle/>
+          <a:p>
+            <a:r>
+              <a:rPr lang="uk-UA" dirty="0" smtClean="0"/>
+              <a:t>Для кожної дії існує виконавець  – абстракція яка вміє ідеально виконувати поставлену задачу і більше нічого.</a:t>
+            </a:r>
+          </a:p>
+          <a:p>
+            <a:pPr>
+              <a:buNone/>
+            </a:pPr>
+            <a:endParaRPr lang="uk-UA" dirty="0"/>
+          </a:p>
+        </p:txBody>
+      </p:sp>
+    </p:spTree>
+  </p:cSld>
+  <p:clrMapOvr>
+    <a:masterClrMapping/>
+  </p:clrMapOvr>
+</p:sld>
+</file>
+
+<file path=ppt/slides/slide13.xml><?xml version="1.0" encoding="utf-8"?>
+<p:sld xmlns:a="http://schemas.openxmlformats.org/drawingml/2006/main" xmlns:r="http://schemas.openxmlformats.org/officeDocument/2006/relationships" xmlns:p="http://schemas.openxmlformats.org/presentationml/2006/main">
+  <p:cSld>
+    <p:spTree>
+      <p:nvGrpSpPr>
+        <p:cNvPr id="1" name=""/>
+        <p:cNvGrpSpPr/>
+        <p:nvPr/>
+      </p:nvGrpSpPr>
+      <p:grpSpPr>
+        <a:xfrm>
+          <a:off x="0" y="0"/>
+          <a:ext cx="0" cy="0"/>
+          <a:chOff x="0" y="0"/>
+          <a:chExt cx="0" cy="0"/>
+        </a:xfrm>
+      </p:grpSpPr>
+      <p:sp>
+        <p:nvSpPr>
+          <p:cNvPr id="2" name="Заголовок 1"/>
+          <p:cNvSpPr>
+            <a:spLocks noGrp="1"/>
+          </p:cNvSpPr>
+          <p:nvPr>
+            <p:ph type="title"/>
+          </p:nvPr>
+        </p:nvSpPr>
+        <p:spPr/>
+        <p:txBody>
+          <a:bodyPr/>
+          <a:lstStyle/>
+          <a:p>
+            <a:r>
+              <a:rPr lang="uk-UA" dirty="0" smtClean="0"/>
+              <a:t>Контекст</a:t>
+            </a:r>
+            <a:endParaRPr lang="uk-UA" dirty="0"/>
+          </a:p>
+        </p:txBody>
+      </p:sp>
+      <p:sp>
+        <p:nvSpPr>
+          <p:cNvPr id="3" name="Содержимое 2"/>
+          <p:cNvSpPr>
+            <a:spLocks noGrp="1"/>
+          </p:cNvSpPr>
+          <p:nvPr>
+            <p:ph idx="1"/>
+          </p:nvPr>
+        </p:nvSpPr>
+        <p:spPr/>
+        <p:txBody>
+          <a:bodyPr/>
+          <a:lstStyle/>
+          <a:p>
+            <a:r>
+              <a:rPr lang="uk-UA" dirty="0" smtClean="0"/>
+              <a:t>Виконавець створює </a:t>
+            </a:r>
+            <a:r>
+              <a:rPr lang="uk-UA" u="sng" dirty="0" smtClean="0"/>
+              <a:t>Контекст</a:t>
+            </a:r>
+            <a:r>
+              <a:rPr lang="uk-UA" dirty="0" smtClean="0"/>
+              <a:t> - уявний світ в якому відбувається процес. В цьому контексті є все що необхідно для досягнення цілі і більше нічого.</a:t>
+            </a:r>
+          </a:p>
+          <a:p>
+            <a:r>
+              <a:rPr lang="uk-UA" dirty="0" smtClean="0"/>
+              <a:t>Виконавець це єдиний хто знає про все що є у контексті.</a:t>
+            </a:r>
+          </a:p>
+          <a:p>
+            <a:r>
+              <a:rPr lang="uk-UA" dirty="0" smtClean="0"/>
+              <a:t>Всі засоби у контексті є абстракціями для виконавця.</a:t>
+            </a:r>
+          </a:p>
+          <a:p>
+            <a:endParaRPr lang="uk-UA" dirty="0"/>
+          </a:p>
+        </p:txBody>
+      </p:sp>
+    </p:spTree>
+  </p:cSld>
+  <p:clrMapOvr>
+    <a:masterClrMapping/>
+  </p:clrMapOvr>
+</p:sld>
+</file>
+
+<file path=ppt/slides/slide14.xml><?xml version="1.0" encoding="utf-8"?>
+<p:sld xmlns:a="http://schemas.openxmlformats.org/drawingml/2006/main" xmlns:r="http://schemas.openxmlformats.org/officeDocument/2006/relationships" xmlns:p="http://schemas.openxmlformats.org/presentationml/2006/main">
+  <p:cSld>
+    <p:spTree>
+      <p:nvGrpSpPr>
+        <p:cNvPr id="1" name=""/>
+        <p:cNvGrpSpPr/>
+        <p:nvPr/>
+      </p:nvGrpSpPr>
+      <p:grpSpPr>
+        <a:xfrm>
+          <a:off x="0" y="0"/>
+          <a:ext cx="0" cy="0"/>
+          <a:chOff x="0" y="0"/>
+          <a:chExt cx="0" cy="0"/>
+        </a:xfrm>
+      </p:grpSpPr>
+      <p:sp>
+        <p:nvSpPr>
+          <p:cNvPr id="2" name="Заголовок 1"/>
+          <p:cNvSpPr>
+            <a:spLocks noGrp="1"/>
+          </p:cNvSpPr>
+          <p:nvPr>
+            <p:ph type="title"/>
+          </p:nvPr>
+        </p:nvSpPr>
+        <p:spPr/>
+        <p:txBody>
+          <a:bodyPr/>
+          <a:lstStyle/>
+          <a:p>
+            <a:r>
+              <a:rPr lang="uk-UA" dirty="0" smtClean="0"/>
+              <a:t>Послідовність дій</a:t>
+            </a:r>
+            <a:endParaRPr lang="uk-UA" dirty="0"/>
+          </a:p>
+        </p:txBody>
+      </p:sp>
+      <p:sp>
+        <p:nvSpPr>
+          <p:cNvPr id="3" name="Содержимое 2"/>
+          <p:cNvSpPr>
+            <a:spLocks noGrp="1"/>
+          </p:cNvSpPr>
+          <p:nvPr>
+            <p:ph idx="1"/>
+          </p:nvPr>
+        </p:nvSpPr>
+        <p:spPr/>
+        <p:txBody>
+          <a:bodyPr/>
+          <a:lstStyle/>
+          <a:p>
+            <a:r>
+              <a:rPr lang="uk-UA" dirty="0" smtClean="0"/>
+              <a:t>Виконавець виконує послідовність дій, кожна з цих дій є іншим процесом, зі своїм виконавцем. Деякі дії делегуються спеціальним засобам які вміють це робити.</a:t>
+            </a:r>
+          </a:p>
+          <a:p>
+            <a:endParaRPr lang="uk-UA" dirty="0"/>
+          </a:p>
+        </p:txBody>
+      </p:sp>
+    </p:spTree>
+  </p:cSld>
+  <p:clrMapOvr>
+    <a:masterClrMapping/>
+  </p:clrMapOvr>
+</p:sld>
+</file>
+
+<file path=ppt/slides/slide15.xml><?xml version="1.0" encoding="utf-8"?>
+<p:sld xmlns:a="http://schemas.openxmlformats.org/drawingml/2006/main" xmlns:r="http://schemas.openxmlformats.org/officeDocument/2006/relationships" xmlns:p="http://schemas.openxmlformats.org/presentationml/2006/main">
+  <p:cSld>
+    <p:spTree>
+      <p:nvGrpSpPr>
+        <p:cNvPr id="1" name=""/>
+        <p:cNvGrpSpPr/>
+        <p:nvPr/>
+      </p:nvGrpSpPr>
+      <p:grpSpPr>
+        <a:xfrm>
+          <a:off x="0" y="0"/>
+          <a:ext cx="0" cy="0"/>
+          <a:chOff x="0" y="0"/>
+          <a:chExt cx="0" cy="0"/>
+        </a:xfrm>
+      </p:grpSpPr>
+      <p:sp>
+        <p:nvSpPr>
+          <p:cNvPr id="2" name="Заголовок 1"/>
+          <p:cNvSpPr>
+            <a:spLocks noGrp="1"/>
+          </p:cNvSpPr>
+          <p:nvPr>
+            <p:ph type="title"/>
+          </p:nvPr>
+        </p:nvSpPr>
+        <p:spPr/>
+        <p:txBody>
+          <a:bodyPr>
+            <a:normAutofit fontScale="90000"/>
+          </a:bodyPr>
+          <a:lstStyle/>
+          <a:p>
+            <a:r>
+              <a:rPr lang="uk-UA" dirty="0" smtClean="0"/>
+              <a:t>Хто відповідальний за виконання дії </a:t>
+            </a:r>
+            <a:r>
+              <a:rPr lang="en-US" b="1" dirty="0" smtClean="0"/>
+              <a:t>X</a:t>
+            </a:r>
+            <a:r>
+              <a:rPr lang="uk-UA" dirty="0" smtClean="0"/>
+              <a:t> ?</a:t>
+            </a:r>
+            <a:endParaRPr lang="uk-UA" dirty="0"/>
+          </a:p>
+        </p:txBody>
+      </p:sp>
+      <p:sp>
+        <p:nvSpPr>
+          <p:cNvPr id="3" name="Содержимое 2"/>
+          <p:cNvSpPr>
+            <a:spLocks noGrp="1"/>
+          </p:cNvSpPr>
+          <p:nvPr>
+            <p:ph idx="1"/>
+          </p:nvPr>
+        </p:nvSpPr>
+        <p:spPr/>
+        <p:txBody>
+          <a:bodyPr/>
+          <a:lstStyle/>
+          <a:p>
+            <a:r>
+              <a:rPr lang="uk-UA" dirty="0" smtClean="0"/>
+              <a:t>Той хт</a:t>
+            </a:r>
+            <a:r>
+              <a:rPr lang="uk-UA" dirty="0" smtClean="0"/>
+              <a:t>о знає як робити </a:t>
+            </a:r>
+            <a:r>
+              <a:rPr lang="uk-UA" b="1" dirty="0" smtClean="0"/>
+              <a:t>X</a:t>
+            </a:r>
+            <a:r>
+              <a:rPr lang="uk-UA" dirty="0" smtClean="0"/>
+              <a:t>.</a:t>
+            </a:r>
+          </a:p>
+          <a:p>
+            <a:r>
+              <a:rPr lang="uk-UA" dirty="0" smtClean="0"/>
+              <a:t>Той від кого залежить виконання </a:t>
+            </a:r>
+            <a:r>
+              <a:rPr lang="en-US" b="1" dirty="0" smtClean="0"/>
+              <a:t>X</a:t>
+            </a:r>
+            <a:r>
+              <a:rPr lang="uk-UA" dirty="0" smtClean="0"/>
+              <a:t> (!)</a:t>
+            </a:r>
+            <a:endParaRPr lang="uk-UA" dirty="0"/>
+          </a:p>
+        </p:txBody>
+      </p:sp>
+    </p:spTree>
+  </p:cSld>
+  <p:clrMapOvr>
+    <a:masterClrMapping/>
+  </p:clrMapOvr>
+</p:sld>
+</file>
+
+<file path=ppt/slides/slide16.xml><?xml version="1.0" encoding="utf-8"?>
+<p:sld xmlns:a="http://schemas.openxmlformats.org/drawingml/2006/main" xmlns:r="http://schemas.openxmlformats.org/officeDocument/2006/relationships" xmlns:p="http://schemas.openxmlformats.org/presentationml/2006/main">
+  <p:cSld>
+    <p:spTree>
+      <p:nvGrpSpPr>
+        <p:cNvPr id="1" name=""/>
+        <p:cNvGrpSpPr/>
+        <p:nvPr/>
+      </p:nvGrpSpPr>
+      <p:grpSpPr>
+        <a:xfrm>
+          <a:off x="0" y="0"/>
+          <a:ext cx="0" cy="0"/>
+          <a:chOff x="0" y="0"/>
+          <a:chExt cx="0" cy="0"/>
+        </a:xfrm>
+      </p:grpSpPr>
+      <p:sp>
+        <p:nvSpPr>
+          <p:cNvPr id="2" name="Заголовок 1"/>
+          <p:cNvSpPr>
+            <a:spLocks noGrp="1"/>
+          </p:cNvSpPr>
+          <p:nvPr>
+            <p:ph type="title"/>
+          </p:nvPr>
+        </p:nvSpPr>
+        <p:spPr/>
+        <p:txBody>
+          <a:bodyPr>
+            <a:normAutofit fontScale="90000"/>
+          </a:bodyPr>
+          <a:lstStyle/>
+          <a:p>
+            <a:r>
+              <a:rPr lang="uk-UA" dirty="0" smtClean="0"/>
+              <a:t>Звідки беруться засоби в контексті?</a:t>
+            </a:r>
+            <a:endParaRPr lang="uk-UA" dirty="0"/>
+          </a:p>
+        </p:txBody>
+      </p:sp>
+      <p:sp>
+        <p:nvSpPr>
+          <p:cNvPr id="3" name="Содержимое 2"/>
+          <p:cNvSpPr>
+            <a:spLocks noGrp="1"/>
+          </p:cNvSpPr>
+          <p:nvPr>
+            <p:ph idx="1"/>
+          </p:nvPr>
+        </p:nvSpPr>
+        <p:spPr/>
+        <p:txBody>
+          <a:bodyPr/>
+          <a:lstStyle/>
+          <a:p>
+            <a:r>
+              <a:rPr lang="uk-UA" dirty="0" smtClean="0"/>
+              <a:t>Вони можуть бути надані кимось, подаровані або позичені.</a:t>
+            </a:r>
+          </a:p>
+          <a:p>
+            <a:r>
+              <a:rPr lang="uk-UA" dirty="0" smtClean="0"/>
+              <a:t>Може бути надане щось, що знає як їх створити.</a:t>
+            </a:r>
+            <a:endParaRPr lang="uk-UA" dirty="0"/>
+          </a:p>
+        </p:txBody>
+      </p:sp>
+    </p:spTree>
+  </p:cSld>
+  <p:clrMapOvr>
+    <a:masterClrMapping/>
+  </p:clrMapOvr>
+</p:sld>
+</file>
+
+<file path=ppt/slides/slide17.xml><?xml version="1.0" encoding="utf-8"?>
+<p:sld xmlns:a="http://schemas.openxmlformats.org/drawingml/2006/main" xmlns:r="http://schemas.openxmlformats.org/officeDocument/2006/relationships" xmlns:p="http://schemas.openxmlformats.org/presentationml/2006/main">
+  <p:cSld>
+    <p:spTree>
+      <p:nvGrpSpPr>
+        <p:cNvPr id="1" name=""/>
+        <p:cNvGrpSpPr/>
+        <p:nvPr/>
+      </p:nvGrpSpPr>
+      <p:grpSpPr>
+        <a:xfrm>
+          <a:off x="0" y="0"/>
+          <a:ext cx="0" cy="0"/>
+          <a:chOff x="0" y="0"/>
+          <a:chExt cx="0" cy="0"/>
+        </a:xfrm>
+      </p:grpSpPr>
+      <p:sp>
+        <p:nvSpPr>
+          <p:cNvPr id="2" name="Заголовок 1"/>
+          <p:cNvSpPr>
+            <a:spLocks noGrp="1"/>
+          </p:cNvSpPr>
+          <p:nvPr>
+            <p:ph type="title"/>
+          </p:nvPr>
+        </p:nvSpPr>
+        <p:spPr/>
+        <p:txBody>
+          <a:bodyPr/>
+          <a:lstStyle/>
+          <a:p>
+            <a:r>
+              <a:rPr lang="uk-UA" dirty="0" smtClean="0"/>
+              <a:t>Ми абстрагуємо </a:t>
+            </a:r>
+            <a:r>
+              <a:rPr lang="uk-UA" dirty="0" smtClean="0"/>
+              <a:t>Виконавців в:</a:t>
+            </a:r>
+            <a:endParaRPr lang="uk-UA" dirty="0"/>
+          </a:p>
+        </p:txBody>
+      </p:sp>
+      <p:sp>
+        <p:nvSpPr>
+          <p:cNvPr id="3" name="Содержимое 2"/>
+          <p:cNvSpPr>
+            <a:spLocks noGrp="1"/>
+          </p:cNvSpPr>
+          <p:nvPr>
+            <p:ph idx="1"/>
+          </p:nvPr>
+        </p:nvSpPr>
+        <p:spPr/>
+        <p:txBody>
+          <a:bodyPr/>
+          <a:lstStyle/>
+          <a:p>
+            <a:r>
+              <a:rPr lang="uk-UA" dirty="0" smtClean="0"/>
+              <a:t>Функції</a:t>
+            </a:r>
+          </a:p>
+          <a:p>
+            <a:r>
+              <a:rPr lang="uk-UA" dirty="0" smtClean="0"/>
+              <a:t>Процедури</a:t>
+            </a:r>
+          </a:p>
+          <a:p>
+            <a:r>
+              <a:rPr lang="uk-UA" dirty="0" err="1" smtClean="0"/>
+              <a:t>Класси</a:t>
+            </a:r>
+            <a:endParaRPr lang="uk-UA" dirty="0" smtClean="0"/>
+          </a:p>
+        </p:txBody>
+      </p:sp>
+    </p:spTree>
+  </p:cSld>
+  <p:clrMapOvr>
+    <a:masterClrMapping/>
+  </p:clrMapOvr>
+</p:sld>
+</file>
+
+<file path=ppt/slides/slide18.xml><?xml version="1.0" encoding="utf-8"?>
+<p:sld xmlns:a="http://schemas.openxmlformats.org/drawingml/2006/main" xmlns:r="http://schemas.openxmlformats.org/officeDocument/2006/relationships" xmlns:p="http://schemas.openxmlformats.org/presentationml/2006/main">
+  <p:cSld>
+    <p:spTree>
+      <p:nvGrpSpPr>
+        <p:cNvPr id="1" name=""/>
+        <p:cNvGrpSpPr/>
+        <p:nvPr/>
+      </p:nvGrpSpPr>
+      <p:grpSpPr>
+        <a:xfrm>
+          <a:off x="0" y="0"/>
+          <a:ext cx="0" cy="0"/>
+          <a:chOff x="0" y="0"/>
+          <a:chExt cx="0" cy="0"/>
+        </a:xfrm>
+      </p:grpSpPr>
+      <p:sp>
+        <p:nvSpPr>
+          <p:cNvPr id="2" name="Заголовок 1"/>
+          <p:cNvSpPr>
+            <a:spLocks noGrp="1"/>
+          </p:cNvSpPr>
+          <p:nvPr>
+            <p:ph type="title"/>
+          </p:nvPr>
+        </p:nvSpPr>
+        <p:spPr/>
+        <p:txBody>
+          <a:bodyPr>
+            <a:normAutofit/>
+          </a:bodyPr>
+          <a:lstStyle/>
+          <a:p>
+            <a:r>
+              <a:rPr lang="uk-UA" dirty="0" smtClean="0"/>
+              <a:t>Ми абстрагуємо </a:t>
+            </a:r>
+            <a:r>
+              <a:rPr lang="uk-UA" dirty="0" smtClean="0"/>
+              <a:t>контексти в:</a:t>
+            </a:r>
+            <a:endParaRPr lang="uk-UA" dirty="0"/>
+          </a:p>
+        </p:txBody>
+      </p:sp>
+      <p:sp>
+        <p:nvSpPr>
+          <p:cNvPr id="3" name="Содержимое 2"/>
+          <p:cNvSpPr>
+            <a:spLocks noGrp="1"/>
+          </p:cNvSpPr>
+          <p:nvPr>
+            <p:ph idx="1"/>
+          </p:nvPr>
+        </p:nvSpPr>
+        <p:spPr/>
+        <p:txBody>
+          <a:bodyPr/>
+          <a:lstStyle/>
+          <a:p>
+            <a:r>
+              <a:rPr lang="uk-UA" dirty="0" err="1" smtClean="0"/>
+              <a:t>Скоупи</a:t>
+            </a:r>
+            <a:r>
+              <a:rPr lang="uk-UA" dirty="0" smtClean="0"/>
+              <a:t> функцій</a:t>
+            </a:r>
+          </a:p>
+          <a:p>
+            <a:r>
+              <a:rPr lang="uk-UA" dirty="0" err="1" smtClean="0"/>
+              <a:t>Скоупи</a:t>
+            </a:r>
+            <a:r>
+              <a:rPr lang="uk-UA" dirty="0" smtClean="0"/>
+              <a:t> класів</a:t>
+            </a:r>
+            <a:endParaRPr lang="uk-UA" dirty="0" smtClean="0"/>
+          </a:p>
+          <a:p>
+            <a:endParaRPr lang="uk-UA" dirty="0"/>
+          </a:p>
+        </p:txBody>
+      </p:sp>
+    </p:spTree>
+  </p:cSld>
+  <p:clrMapOvr>
+    <a:masterClrMapping/>
+  </p:clrMapOvr>
+</p:sld>
+</file>
+
+<file path=ppt/slides/slide19.xml><?xml version="1.0" encoding="utf-8"?>
+<p:sld xmlns:a="http://schemas.openxmlformats.org/drawingml/2006/main" xmlns:r="http://schemas.openxmlformats.org/officeDocument/2006/relationships" xmlns:p="http://schemas.openxmlformats.org/presentationml/2006/main">
+  <p:cSld>
+    <p:spTree>
+      <p:nvGrpSpPr>
+        <p:cNvPr id="1" name=""/>
+        <p:cNvGrpSpPr/>
+        <p:nvPr/>
+      </p:nvGrpSpPr>
+      <p:grpSpPr>
+        <a:xfrm>
+          <a:off x="0" y="0"/>
+          <a:ext cx="0" cy="0"/>
+          <a:chOff x="0" y="0"/>
+          <a:chExt cx="0" cy="0"/>
+        </a:xfrm>
+      </p:grpSpPr>
+      <p:sp>
+        <p:nvSpPr>
+          <p:cNvPr id="2" name="Заголовок 1"/>
+          <p:cNvSpPr>
+            <a:spLocks noGrp="1"/>
+          </p:cNvSpPr>
+          <p:nvPr>
+            <p:ph type="ctrTitle"/>
+          </p:nvPr>
+        </p:nvSpPr>
+        <p:spPr>
+          <a:xfrm>
+            <a:off x="683568" y="2420888"/>
+            <a:ext cx="7772400" cy="1440160"/>
+          </a:xfrm>
+        </p:spPr>
+        <p:txBody>
+          <a:bodyPr>
+            <a:normAutofit/>
+          </a:bodyPr>
+          <a:lstStyle/>
+          <a:p>
+            <a:r>
+              <a:rPr lang="uk-UA" dirty="0" smtClean="0"/>
+              <a:t>До чого це все приводить?</a:t>
+            </a:r>
+            <a:br>
+              <a:rPr lang="uk-UA" dirty="0" smtClean="0"/>
+            </a:br>
+            <a:endParaRPr lang="uk-UA" dirty="0"/>
           </a:p>
         </p:txBody>
       </p:sp>
@@ -3889,50 +7017,150 @@
             <p:ph type="title"/>
           </p:nvPr>
         </p:nvSpPr>
+        <p:spPr/>
+        <p:txBody>
+          <a:bodyPr/>
+          <a:lstStyle/>
+          <a:p>
+            <a:r>
+              <a:rPr lang="en-US" dirty="0" smtClean="0"/>
+              <a:t>Software</a:t>
+            </a:r>
+            <a:r>
+              <a:rPr lang="en-US" dirty="0" smtClean="0"/>
+              <a:t>?</a:t>
+            </a:r>
+            <a:endParaRPr lang="uk-UA" dirty="0"/>
+          </a:p>
+        </p:txBody>
+      </p:sp>
+      <p:sp>
+        <p:nvSpPr>
+          <p:cNvPr id="3" name="Содержимое 2"/>
+          <p:cNvSpPr>
+            <a:spLocks noGrp="1"/>
+          </p:cNvSpPr>
+          <p:nvPr>
+            <p:ph idx="1"/>
+          </p:nvPr>
+        </p:nvSpPr>
+        <p:spPr/>
+        <p:txBody>
+          <a:bodyPr/>
+          <a:lstStyle/>
+          <a:p>
+            <a:pPr marL="514350" indent="-514350">
+              <a:buNone/>
+            </a:pPr>
+            <a:endParaRPr lang="uk-UA" dirty="0" smtClean="0"/>
+          </a:p>
+          <a:p>
+            <a:pPr marL="514350" indent="-514350">
+              <a:buFont typeface="+mj-lt"/>
+              <a:buAutoNum type="arabicPeriod"/>
+            </a:pPr>
+            <a:r>
+              <a:rPr lang="uk-UA" sz="4000" dirty="0" smtClean="0"/>
+              <a:t>Абстракція моделей реального світу.</a:t>
+            </a:r>
+          </a:p>
+          <a:p>
+            <a:pPr marL="514350" indent="-514350">
+              <a:lnSpc>
+                <a:spcPct val="200000"/>
+              </a:lnSpc>
+              <a:buFont typeface="+mj-lt"/>
+              <a:buAutoNum type="arabicPeriod"/>
+            </a:pPr>
+            <a:r>
+              <a:rPr lang="uk-UA" sz="2800" dirty="0" smtClean="0"/>
+              <a:t>Конкретна програмна реалізація</a:t>
+            </a:r>
+          </a:p>
+          <a:p>
+            <a:pPr marL="514350" indent="-514350">
+              <a:buFont typeface="+mj-lt"/>
+              <a:buAutoNum type="arabicPeriod"/>
+            </a:pPr>
+            <a:endParaRPr lang="uk-UA" sz="4000" dirty="0" smtClean="0"/>
+          </a:p>
+          <a:p>
+            <a:pPr marL="514350" indent="-514350" algn="ctr">
+              <a:buNone/>
+            </a:pPr>
+            <a:endParaRPr lang="uk-UA" dirty="0" smtClean="0"/>
+          </a:p>
+          <a:p>
+            <a:pPr marL="514350" indent="-514350">
+              <a:buNone/>
+            </a:pPr>
+            <a:endParaRPr lang="uk-UA" dirty="0" smtClean="0"/>
+          </a:p>
+        </p:txBody>
+      </p:sp>
+    </p:spTree>
+  </p:cSld>
+  <p:clrMapOvr>
+    <a:masterClrMapping/>
+  </p:clrMapOvr>
+</p:sld>
+</file>
+
+<file path=ppt/slides/slide20.xml><?xml version="1.0" encoding="utf-8"?>
+<p:sld xmlns:a="http://schemas.openxmlformats.org/drawingml/2006/main" xmlns:r="http://schemas.openxmlformats.org/officeDocument/2006/relationships" xmlns:p="http://schemas.openxmlformats.org/presentationml/2006/main">
+  <p:cSld>
+    <p:spTree>
+      <p:nvGrpSpPr>
+        <p:cNvPr id="1" name=""/>
+        <p:cNvGrpSpPr/>
+        <p:nvPr/>
+      </p:nvGrpSpPr>
+      <p:grpSpPr>
+        <a:xfrm>
+          <a:off x="0" y="0"/>
+          <a:ext cx="0" cy="0"/>
+          <a:chOff x="0" y="0"/>
+          <a:chExt cx="0" cy="0"/>
+        </a:xfrm>
+      </p:grpSpPr>
+      <p:sp>
+        <p:nvSpPr>
+          <p:cNvPr id="2" name="Заголовок 1"/>
+          <p:cNvSpPr>
+            <a:spLocks noGrp="1"/>
+          </p:cNvSpPr>
+          <p:nvPr>
+            <p:ph type="title"/>
+          </p:nvPr>
+        </p:nvSpPr>
         <p:spPr>
           <a:xfrm>
-            <a:off x="457200" y="274638"/>
-            <a:ext cx="8229600" cy="1066130"/>
+            <a:off x="539552" y="2276872"/>
+            <a:ext cx="8229600" cy="1143000"/>
           </a:xfrm>
         </p:spPr>
         <p:txBody>
-          <a:bodyPr/>
+          <a:bodyPr>
+            <a:normAutofit fontScale="90000"/>
+          </a:bodyPr>
           <a:lstStyle/>
           <a:p>
             <a:r>
               <a:rPr lang="uk-UA" dirty="0" smtClean="0"/>
-              <a:t>Треба щось зробити!</a:t>
+              <a:t>Ми створюємо інфраструктуру яка живе </a:t>
+            </a:r>
+            <a:r>
+              <a:rPr lang="uk-UA" dirty="0" smtClean="0"/>
+              <a:t>“ самостійним ” </a:t>
+            </a:r>
+            <a:r>
+              <a:rPr lang="uk-UA" dirty="0" smtClean="0"/>
+              <a:t>життям</a:t>
             </a:r>
             <a:endParaRPr lang="uk-UA" dirty="0"/>
           </a:p>
         </p:txBody>
       </p:sp>
-      <p:pic>
-        <p:nvPicPr>
-          <p:cNvPr id="20482" name="Picture 2" descr="бесплатный фотохостинг"/>
-          <p:cNvPicPr>
-            <a:picLocks noChangeAspect="1" noChangeArrowheads="1"/>
-          </p:cNvPicPr>
-          <p:nvPr/>
-        </p:nvPicPr>
-        <p:blipFill>
-          <a:blip r:embed="rId3" cstate="print"/>
-          <a:srcRect/>
-          <a:stretch>
-            <a:fillRect/>
-          </a:stretch>
-        </p:blipFill>
-        <p:spPr bwMode="auto">
-          <a:xfrm>
-            <a:off x="1907704" y="1268760"/>
-            <a:ext cx="5832648" cy="4879982"/>
-          </a:xfrm>
-          <a:prstGeom prst="rect">
-            <a:avLst/>
-          </a:prstGeom>
-          <a:noFill/>
-        </p:spPr>
-      </p:pic>
     </p:spTree>
   </p:cSld>
   <p:clrMapOvr>
@@ -3945,6 +7173,152 @@
       </p:par>
     </p:tnLst>
   </p:timing>
+</p:sld>
+</file>
+
+<file path=ppt/slides/slide21.xml><?xml version="1.0" encoding="utf-8"?>
+<p:sld xmlns:a="http://schemas.openxmlformats.org/drawingml/2006/main" xmlns:r="http://schemas.openxmlformats.org/officeDocument/2006/relationships" xmlns:p="http://schemas.openxmlformats.org/presentationml/2006/main">
+  <p:cSld>
+    <p:spTree>
+      <p:nvGrpSpPr>
+        <p:cNvPr id="1" name=""/>
+        <p:cNvGrpSpPr/>
+        <p:nvPr/>
+      </p:nvGrpSpPr>
+      <p:grpSpPr>
+        <a:xfrm>
+          <a:off x="0" y="0"/>
+          <a:ext cx="0" cy="0"/>
+          <a:chOff x="0" y="0"/>
+          <a:chExt cx="0" cy="0"/>
+        </a:xfrm>
+      </p:grpSpPr>
+      <p:sp>
+        <p:nvSpPr>
+          <p:cNvPr id="2" name="Заголовок 1"/>
+          <p:cNvSpPr>
+            <a:spLocks noGrp="1"/>
+          </p:cNvSpPr>
+          <p:nvPr>
+            <p:ph type="title"/>
+          </p:nvPr>
+        </p:nvSpPr>
+        <p:spPr/>
+        <p:txBody>
+          <a:bodyPr/>
+          <a:lstStyle/>
+          <a:p>
+            <a:r>
+              <a:rPr lang="uk-UA" dirty="0" smtClean="0"/>
+              <a:t>В результаті</a:t>
+            </a:r>
+            <a:r>
+              <a:rPr lang="uk-UA" dirty="0" smtClean="0"/>
+              <a:t>?</a:t>
+            </a:r>
+            <a:endParaRPr lang="uk-UA" dirty="0"/>
+          </a:p>
+        </p:txBody>
+      </p:sp>
+      <p:sp>
+        <p:nvSpPr>
+          <p:cNvPr id="3" name="Содержимое 2"/>
+          <p:cNvSpPr>
+            <a:spLocks noGrp="1"/>
+          </p:cNvSpPr>
+          <p:nvPr>
+            <p:ph idx="1"/>
+          </p:nvPr>
+        </p:nvSpPr>
+        <p:spPr/>
+        <p:txBody>
+          <a:bodyPr>
+            <a:normAutofit lnSpcReduction="10000"/>
+          </a:bodyPr>
+          <a:lstStyle/>
+          <a:p>
+            <a:r>
+              <a:rPr lang="en-US" dirty="0" smtClean="0"/>
+              <a:t>Naturalness – Simplicity</a:t>
+            </a:r>
+            <a:endParaRPr lang="en-US" dirty="0" smtClean="0"/>
+          </a:p>
+          <a:p>
+            <a:r>
+              <a:rPr lang="en-US" dirty="0" smtClean="0"/>
+              <a:t>Maintainability</a:t>
+            </a:r>
+          </a:p>
+          <a:p>
+            <a:r>
+              <a:rPr lang="en-US" dirty="0" smtClean="0"/>
+              <a:t>Extensibility</a:t>
+            </a:r>
+          </a:p>
+          <a:p>
+            <a:r>
+              <a:rPr lang="en-US" dirty="0" smtClean="0"/>
+              <a:t>Solidity</a:t>
+            </a:r>
+          </a:p>
+          <a:p>
+            <a:r>
+              <a:rPr lang="en-US" dirty="0" smtClean="0"/>
+              <a:t>Flexibility</a:t>
+            </a:r>
+          </a:p>
+          <a:p>
+            <a:r>
+              <a:rPr lang="en-US" dirty="0" smtClean="0"/>
+              <a:t>Reusability</a:t>
+            </a:r>
+          </a:p>
+          <a:p>
+            <a:r>
+              <a:rPr lang="en-US" dirty="0" smtClean="0"/>
+              <a:t>Testability</a:t>
+            </a:r>
+          </a:p>
+          <a:p>
+            <a:r>
+              <a:rPr lang="en-US" dirty="0" smtClean="0"/>
+              <a:t>Readability, SOLID, DRY … </a:t>
+            </a:r>
+            <a:r>
+              <a:rPr lang="en-US" dirty="0" err="1" smtClean="0"/>
+              <a:t>bla</a:t>
+            </a:r>
+            <a:r>
+              <a:rPr lang="en-US" dirty="0" smtClean="0"/>
+              <a:t> </a:t>
+            </a:r>
+            <a:r>
+              <a:rPr lang="en-US" dirty="0" err="1" smtClean="0"/>
+              <a:t>bla</a:t>
+            </a:r>
+            <a:r>
+              <a:rPr lang="en-US" dirty="0" smtClean="0"/>
+              <a:t> </a:t>
+            </a:r>
+            <a:r>
+              <a:rPr lang="en-US" dirty="0" err="1" smtClean="0"/>
+              <a:t>bla</a:t>
+            </a:r>
+            <a:endParaRPr lang="en-US" dirty="0" smtClean="0"/>
+          </a:p>
+          <a:p>
+            <a:endParaRPr lang="en-US" dirty="0" smtClean="0"/>
+          </a:p>
+          <a:p>
+            <a:endParaRPr lang="uk-UA" dirty="0"/>
+          </a:p>
+        </p:txBody>
+      </p:sp>
+    </p:spTree>
+  </p:cSld>
+  <p:clrMapOvr>
+    <a:masterClrMapping/>
+  </p:clrMapOvr>
 </p:sld>
 </file>
 
@@ -3972,82 +7346,32 @@
             <a:spLocks noGrp="1"/>
           </p:cNvSpPr>
           <p:nvPr>
-            <p:ph type="ctrTitle"/>
+            <p:ph type="title"/>
           </p:nvPr>
         </p:nvSpPr>
         <p:spPr>
           <a:xfrm>
-            <a:off x="683568" y="260648"/>
-            <a:ext cx="7772400" cy="1440160"/>
+            <a:off x="467544" y="2564904"/>
+            <a:ext cx="8229600" cy="1143000"/>
           </a:xfrm>
         </p:spPr>
         <p:txBody>
-          <a:bodyPr>
-            <a:normAutofit fontScale="90000"/>
-          </a:bodyPr>
+          <a:bodyPr/>
           <a:lstStyle/>
           <a:p>
             <a:r>
               <a:rPr lang="uk-UA" dirty="0" smtClean="0"/>
-              <a:t>Треба щось зробити ≈ </a:t>
-            </a:r>
-            <a:r>
-              <a:rPr lang="uk-UA" dirty="0" smtClean="0"/>
-              <a:t>Призначення </a:t>
-            </a:r>
-            <a:r>
-              <a:rPr lang="uk-UA" dirty="0" smtClean="0"/>
-              <a:t>≈</a:t>
-            </a:r>
-            <a:br>
-              <a:rPr lang="uk-UA" dirty="0" smtClean="0"/>
-            </a:br>
-            <a:r>
-              <a:rPr lang="uk-UA" dirty="0" smtClean="0"/>
-              <a:t>Ціль</a:t>
+              <a:t>Звідки береться абстракція?</a:t>
             </a:r>
             <a:endParaRPr lang="uk-UA" dirty="0"/>
           </a:p>
         </p:txBody>
       </p:sp>
-      <p:pic>
-        <p:nvPicPr>
-          <p:cNvPr id="12290" name="Picture 2" descr="http://www.swifterhigher.com/photos/archery1.png"/>
-          <p:cNvPicPr>
-            <a:picLocks noChangeAspect="1" noChangeArrowheads="1"/>
-          </p:cNvPicPr>
-          <p:nvPr/>
-        </p:nvPicPr>
-        <p:blipFill>
-          <a:blip r:embed="rId3" cstate="print"/>
-          <a:srcRect/>
-          <a:stretch>
-            <a:fillRect/>
-          </a:stretch>
-        </p:blipFill>
-        <p:spPr bwMode="auto">
-          <a:xfrm>
-            <a:off x="2771800" y="1916832"/>
-            <a:ext cx="4320480" cy="4608512"/>
-          </a:xfrm>
-          <a:prstGeom prst="rect">
-            <a:avLst/>
-          </a:prstGeom>
-          <a:noFill/>
-        </p:spPr>
-      </p:pic>
     </p:spTree>
   </p:cSld>
   <p:clrMapOvr>
     <a:masterClrMapping/>
   </p:clrMapOvr>
-  <p:timing>
-    <p:tnLst>
-      <p:par>
-        <p:cTn id="1" dur="indefinite" restart="never" nodeType="tmRoot"/>
-      </p:par>
-    </p:tnLst>
-  </p:timing>
 </p:sld>
 </file>
 
@@ -4070,41 +7394,18 @@
       </p:grpSpPr>
       <p:sp>
         <p:nvSpPr>
-          <p:cNvPr id="2" name="Заголовок 1"/>
+          <p:cNvPr id="4" name="Заголовок 1"/>
           <p:cNvSpPr>
             <a:spLocks noGrp="1"/>
           </p:cNvSpPr>
           <p:nvPr>
             <p:ph type="title"/>
-          </p:nvPr>
-        </p:nvSpPr>
-        <p:spPr/>
-        <p:txBody>
-          <a:bodyPr/>
-          <a:lstStyle/>
-          <a:p>
-            <a:r>
-              <a:rPr lang="uk-UA" dirty="0" smtClean="0"/>
-              <a:t>Що це значить?</a:t>
-            </a:r>
-            <a:endParaRPr lang="uk-UA" dirty="0"/>
-          </a:p>
-        </p:txBody>
-      </p:sp>
-      <p:sp>
-        <p:nvSpPr>
-          <p:cNvPr id="3" name="Содержимое 2"/>
-          <p:cNvSpPr>
-            <a:spLocks noGrp="1"/>
-          </p:cNvSpPr>
-          <p:nvPr>
-            <p:ph idx="1"/>
           </p:nvPr>
         </p:nvSpPr>
         <p:spPr>
           <a:xfrm>
-            <a:off x="539552" y="1556792"/>
-            <a:ext cx="8229600" cy="1944216"/>
+            <a:off x="467544" y="1772816"/>
+            <a:ext cx="8229600" cy="2880320"/>
           </a:xfrm>
         </p:spPr>
         <p:txBody>
@@ -4113,44 +7414,29 @@
           </a:bodyPr>
           <a:lstStyle/>
           <a:p>
-            <a:pPr marL="514350" indent="-514350"/>
+            <a:r>
+              <a:rPr lang="uk-UA" b="1" dirty="0" smtClean="0"/>
+              <a:t>Абстракцію формують вимоги.</a:t>
+            </a:r>
+            <a:br>
+              <a:rPr lang="uk-UA" b="1" dirty="0" smtClean="0"/>
+            </a:br>
             <a:r>
               <a:rPr lang="uk-UA" dirty="0" smtClean="0"/>
-              <a:t>Виконати якусь </a:t>
-            </a:r>
-            <a:r>
-              <a:rPr lang="uk-UA" b="1" dirty="0" smtClean="0"/>
-              <a:t>дію</a:t>
+              <a:t>Чим точніше вимоги тим </a:t>
+            </a:r>
+            <a:r>
+              <a:rPr lang="uk-UA" dirty="0" err="1" smtClean="0"/>
+              <a:t>“конкретніш</a:t>
+            </a:r>
+            <a:r>
+              <a:rPr lang="ru-RU" dirty="0" smtClean="0"/>
+              <a:t>а</a:t>
             </a:r>
             <a:r>
               <a:rPr lang="uk-UA" dirty="0" smtClean="0"/>
-              <a:t> (дії)</a:t>
-            </a:r>
-          </a:p>
-          <a:p>
-            <a:pPr marL="514350" indent="-514350"/>
-            <a:r>
-              <a:rPr lang="uk-UA" b="1" dirty="0"/>
-              <a:t>Н</a:t>
-            </a:r>
-            <a:r>
-              <a:rPr lang="uk-UA" b="1" dirty="0" smtClean="0"/>
-              <a:t>ад чимось</a:t>
-            </a:r>
-          </a:p>
-          <a:p>
-            <a:pPr marL="514350" indent="-514350"/>
-            <a:r>
-              <a:rPr lang="uk-UA" dirty="0" smtClean="0"/>
-              <a:t>Отримати </a:t>
-            </a:r>
-            <a:r>
-              <a:rPr lang="uk-UA" b="1" dirty="0" smtClean="0"/>
-              <a:t>результат</a:t>
-            </a:r>
-          </a:p>
-          <a:p>
-            <a:pPr marL="514350" indent="-514350"/>
+              <a:t>” абстракція </a:t>
+            </a:r>
             <a:endParaRPr lang="uk-UA" dirty="0"/>
           </a:p>
         </p:txBody>
@@ -4160,13 +7446,463 @@
   <p:clrMapOvr>
     <a:masterClrMapping/>
   </p:clrMapOvr>
-  <p:timing>
-    <p:tnLst>
-      <p:par>
-        <p:cTn id="1" dur="indefinite" restart="never" nodeType="tmRoot"/>
-      </p:par>
-    </p:tnLst>
-  </p:timing>
+</p:sld>
+</file>
+
+<file path=ppt/slides/slide5.xml><?xml version="1.0" encoding="utf-8"?>
+<p:sld xmlns:a="http://schemas.openxmlformats.org/drawingml/2006/main" xmlns:r="http://schemas.openxmlformats.org/officeDocument/2006/relationships" xmlns:p="http://schemas.openxmlformats.org/presentationml/2006/main">
+  <p:cSld>
+    <p:spTree>
+      <p:nvGrpSpPr>
+        <p:cNvPr id="1" name=""/>
+        <p:cNvGrpSpPr/>
+        <p:nvPr/>
+      </p:nvGrpSpPr>
+      <p:grpSpPr>
+        <a:xfrm>
+          <a:off x="0" y="0"/>
+          <a:ext cx="0" cy="0"/>
+          <a:chOff x="0" y="0"/>
+          <a:chExt cx="0" cy="0"/>
+        </a:xfrm>
+      </p:grpSpPr>
+      <p:pic>
+        <p:nvPicPr>
+          <p:cNvPr id="4098" name="Picture 2" descr="Собаки в автосервисе (12 фото)"/>
+          <p:cNvPicPr>
+            <a:picLocks noChangeAspect="1" noChangeArrowheads="1"/>
+          </p:cNvPicPr>
+          <p:nvPr/>
+        </p:nvPicPr>
+        <p:blipFill>
+          <a:blip r:embed="rId3" cstate="print"/>
+          <a:srcRect/>
+          <a:stretch>
+            <a:fillRect/>
+          </a:stretch>
+        </p:blipFill>
+        <p:spPr bwMode="auto">
+          <a:xfrm>
+            <a:off x="395536" y="1628800"/>
+            <a:ext cx="8424936" cy="4888894"/>
+          </a:xfrm>
+          <a:prstGeom prst="rect">
+            <a:avLst/>
+          </a:prstGeom>
+          <a:noFill/>
+        </p:spPr>
+      </p:pic>
+      <p:sp>
+        <p:nvSpPr>
+          <p:cNvPr id="5" name="Заголовок 4"/>
+          <p:cNvSpPr>
+            <a:spLocks noGrp="1"/>
+          </p:cNvSpPr>
+          <p:nvPr>
+            <p:ph type="title"/>
+          </p:nvPr>
+        </p:nvSpPr>
+        <p:spPr/>
+        <p:txBody>
+          <a:bodyPr>
+            <a:normAutofit fontScale="90000"/>
+          </a:bodyPr>
+          <a:lstStyle/>
+          <a:p>
+            <a:r>
+              <a:rPr lang="uk-UA" dirty="0" smtClean="0"/>
+              <a:t>Потрібно відремонтувати автомобіль?</a:t>
+            </a:r>
+            <a:endParaRPr lang="uk-UA" dirty="0"/>
+          </a:p>
+        </p:txBody>
+      </p:sp>
+    </p:spTree>
+  </p:cSld>
+  <p:clrMapOvr>
+    <a:masterClrMapping/>
+  </p:clrMapOvr>
+</p:sld>
+</file>
+
+<file path=ppt/slides/slide6.xml><?xml version="1.0" encoding="utf-8"?>
+<p:sld xmlns:a="http://schemas.openxmlformats.org/drawingml/2006/main" xmlns:r="http://schemas.openxmlformats.org/officeDocument/2006/relationships" xmlns:p="http://schemas.openxmlformats.org/presentationml/2006/main">
+  <p:cSld>
+    <p:spTree>
+      <p:nvGrpSpPr>
+        <p:cNvPr id="1" name=""/>
+        <p:cNvGrpSpPr/>
+        <p:nvPr/>
+      </p:nvGrpSpPr>
+      <p:grpSpPr>
+        <a:xfrm>
+          <a:off x="0" y="0"/>
+          <a:ext cx="0" cy="0"/>
+          <a:chOff x="0" y="0"/>
+          <a:chExt cx="0" cy="0"/>
+        </a:xfrm>
+      </p:grpSpPr>
+      <p:sp>
+        <p:nvSpPr>
+          <p:cNvPr id="2" name="Заголовок 1"/>
+          <p:cNvSpPr>
+            <a:spLocks noGrp="1"/>
+          </p:cNvSpPr>
+          <p:nvPr>
+            <p:ph type="title"/>
+          </p:nvPr>
+        </p:nvSpPr>
+        <p:spPr>
+          <a:xfrm>
+            <a:off x="467544" y="2204864"/>
+            <a:ext cx="8229600" cy="2448272"/>
+          </a:xfrm>
+        </p:spPr>
+        <p:txBody>
+          <a:bodyPr>
+            <a:normAutofit fontScale="90000"/>
+          </a:bodyPr>
+          <a:lstStyle/>
+          <a:p>
+            <a:r>
+              <a:rPr lang="uk-UA" dirty="0" smtClean="0"/>
+              <a:t>Кожна абстракція висуває вимоги до об'єктів </a:t>
+            </a:r>
+            <a:r>
+              <a:rPr lang="uk-UA" dirty="0" smtClean="0"/>
+              <a:t>які її реалізують, </a:t>
+            </a:r>
+            <a:r>
+              <a:rPr lang="uk-UA" dirty="0" smtClean="0"/>
+              <a:t>тобто </a:t>
+            </a:r>
+            <a:r>
+              <a:rPr lang="uk-UA" dirty="0" smtClean="0"/>
+              <a:t>абстракцію реалізують інші абстракції.</a:t>
+            </a:r>
+            <a:endParaRPr lang="uk-UA" dirty="0"/>
+          </a:p>
+        </p:txBody>
+      </p:sp>
+    </p:spTree>
+  </p:cSld>
+  <p:clrMapOvr>
+    <a:masterClrMapping/>
+  </p:clrMapOvr>
+</p:sld>
+</file>
+
+<file path=ppt/slides/slide7.xml><?xml version="1.0" encoding="utf-8"?>
+<p:sld xmlns:a="http://schemas.openxmlformats.org/drawingml/2006/main" xmlns:r="http://schemas.openxmlformats.org/officeDocument/2006/relationships" xmlns:p="http://schemas.openxmlformats.org/presentationml/2006/main">
+  <p:cSld>
+    <p:spTree>
+      <p:nvGrpSpPr>
+        <p:cNvPr id="1" name=""/>
+        <p:cNvGrpSpPr/>
+        <p:nvPr/>
+      </p:nvGrpSpPr>
+      <p:grpSpPr>
+        <a:xfrm>
+          <a:off x="0" y="0"/>
+          <a:ext cx="0" cy="0"/>
+          <a:chOff x="0" y="0"/>
+          <a:chExt cx="0" cy="0"/>
+        </a:xfrm>
+      </p:grpSpPr>
+      <p:sp>
+        <p:nvSpPr>
+          <p:cNvPr id="2" name="Заголовок 1"/>
+          <p:cNvSpPr>
+            <a:spLocks noGrp="1"/>
+          </p:cNvSpPr>
+          <p:nvPr>
+            <p:ph type="title"/>
+          </p:nvPr>
+        </p:nvSpPr>
+        <p:spPr>
+          <a:xfrm>
+            <a:off x="467544" y="836712"/>
+            <a:ext cx="8229600" cy="1143000"/>
+          </a:xfrm>
+        </p:spPr>
+        <p:txBody>
+          <a:bodyPr>
+            <a:normAutofit fontScale="90000"/>
+          </a:bodyPr>
+          <a:lstStyle/>
+          <a:p>
+            <a:r>
+              <a:rPr lang="uk-UA" dirty="0" smtClean="0"/>
+              <a:t>Тобто абстракція це те що несе відповідальність за виконання вимог</a:t>
+            </a:r>
+            <a:endParaRPr lang="uk-UA" dirty="0"/>
+          </a:p>
+        </p:txBody>
+      </p:sp>
+      <p:sp>
+        <p:nvSpPr>
+          <p:cNvPr id="4" name="Заголовок 1"/>
+          <p:cNvSpPr txBox="1">
+            <a:spLocks/>
+          </p:cNvSpPr>
+          <p:nvPr/>
+        </p:nvSpPr>
+        <p:spPr>
+          <a:xfrm>
+            <a:off x="467544" y="2996952"/>
+            <a:ext cx="8229600" cy="1143000"/>
+          </a:xfrm>
+          <a:prstGeom prst="rect">
+            <a:avLst/>
+          </a:prstGeom>
+        </p:spPr>
+        <p:txBody>
+          <a:bodyPr vert="horz" lIns="91440" tIns="45720" rIns="91440" bIns="45720" rtlCol="0" anchor="ctr">
+            <a:noAutofit/>
+          </a:bodyPr>
+          <a:lstStyle/>
+          <a:p>
+            <a:pPr marL="0" marR="0" lvl="0" indent="0" algn="ctr" defTabSz="914400" rtl="0" eaLnBrk="1" fontAlgn="auto" latinLnBrk="0" hangingPunct="1">
+              <a:lnSpc>
+                <a:spcPct val="100000"/>
+              </a:lnSpc>
+              <a:spcBef>
+                <a:spcPct val="0"/>
+              </a:spcBef>
+              <a:spcAft>
+                <a:spcPts val="0"/>
+              </a:spcAft>
+              <a:buClrTx/>
+              <a:buSzTx/>
+              <a:buFontTx/>
+              <a:buNone/>
+              <a:tabLst/>
+              <a:defRPr/>
+            </a:pPr>
+            <a:r>
+              <a:rPr lang="en-US" sz="7200" b="1" dirty="0" smtClean="0">
+                <a:latin typeface="+mj-lt"/>
+                <a:ea typeface="+mj-ea"/>
+                <a:cs typeface="+mj-cs"/>
+              </a:rPr>
+              <a:t>SRP</a:t>
+            </a:r>
+            <a:endParaRPr kumimoji="0" lang="uk-UA" sz="7200" b="1" i="0" u="none" strike="noStrike" kern="1200" cap="none" spc="0" normalizeH="0" baseline="0" noProof="0" dirty="0">
+              <a:ln>
+                <a:noFill/>
+              </a:ln>
+              <a:solidFill>
+                <a:schemeClr val="tx1"/>
+              </a:solidFill>
+              <a:effectLst/>
+              <a:uLnTx/>
+              <a:uFillTx/>
+              <a:latin typeface="+mj-lt"/>
+              <a:ea typeface="+mj-ea"/>
+              <a:cs typeface="+mj-cs"/>
+            </a:endParaRPr>
+          </a:p>
+        </p:txBody>
+      </p:sp>
+    </p:spTree>
+  </p:cSld>
+  <p:clrMapOvr>
+    <a:masterClrMapping/>
+  </p:clrMapOvr>
+</p:sld>
+</file>
+
+<file path=ppt/slides/slide8.xml><?xml version="1.0" encoding="utf-8"?>
+<p:sld xmlns:a="http://schemas.openxmlformats.org/drawingml/2006/main" xmlns:r="http://schemas.openxmlformats.org/officeDocument/2006/relationships" xmlns:p="http://schemas.openxmlformats.org/presentationml/2006/main">
+  <p:cSld>
+    <p:spTree>
+      <p:nvGrpSpPr>
+        <p:cNvPr id="1" name=""/>
+        <p:cNvGrpSpPr/>
+        <p:nvPr/>
+      </p:nvGrpSpPr>
+      <p:grpSpPr>
+        <a:xfrm>
+          <a:off x="0" y="0"/>
+          <a:ext cx="0" cy="0"/>
+          <a:chOff x="0" y="0"/>
+          <a:chExt cx="0" cy="0"/>
+        </a:xfrm>
+      </p:grpSpPr>
+      <p:sp>
+        <p:nvSpPr>
+          <p:cNvPr id="2" name="Заголовок 1"/>
+          <p:cNvSpPr>
+            <a:spLocks noGrp="1"/>
+          </p:cNvSpPr>
+          <p:nvPr>
+            <p:ph type="title"/>
+          </p:nvPr>
+        </p:nvSpPr>
+        <p:spPr/>
+        <p:txBody>
+          <a:bodyPr/>
+          <a:lstStyle/>
+          <a:p>
+            <a:r>
+              <a:rPr lang="uk-UA" dirty="0" smtClean="0"/>
+              <a:t>Абстракція об</a:t>
+            </a:r>
+            <a:r>
+              <a:rPr lang="en-US" dirty="0" smtClean="0"/>
+              <a:t>’</a:t>
+            </a:r>
+            <a:r>
+              <a:rPr lang="uk-UA" dirty="0" err="1" smtClean="0"/>
+              <a:t>єктів</a:t>
+            </a:r>
+            <a:endParaRPr lang="uk-UA" dirty="0"/>
+          </a:p>
+        </p:txBody>
+      </p:sp>
+      <p:sp>
+        <p:nvSpPr>
+          <p:cNvPr id="3" name="Содержимое 2"/>
+          <p:cNvSpPr>
+            <a:spLocks noGrp="1"/>
+          </p:cNvSpPr>
+          <p:nvPr>
+            <p:ph idx="1"/>
+          </p:nvPr>
+        </p:nvSpPr>
+        <p:spPr/>
+        <p:txBody>
+          <a:bodyPr/>
+          <a:lstStyle/>
+          <a:p>
+            <a:r>
+              <a:rPr lang="uk-UA" dirty="0" smtClean="0"/>
+              <a:t>Користувач</a:t>
+            </a:r>
+          </a:p>
+          <a:p>
+            <a:r>
+              <a:rPr lang="uk-UA" dirty="0" smtClean="0"/>
+              <a:t>Рахунок </a:t>
+            </a:r>
+          </a:p>
+          <a:p>
+            <a:r>
+              <a:rPr lang="uk-UA" dirty="0" smtClean="0"/>
+              <a:t>Звіт</a:t>
+            </a:r>
+          </a:p>
+          <a:p>
+            <a:r>
+              <a:rPr lang="uk-UA" dirty="0" smtClean="0"/>
+              <a:t>…</a:t>
+            </a:r>
+            <a:endParaRPr lang="uk-UA" dirty="0"/>
+          </a:p>
+        </p:txBody>
+      </p:sp>
+    </p:spTree>
+  </p:cSld>
+  <p:clrMapOvr>
+    <a:masterClrMapping/>
+  </p:clrMapOvr>
+</p:sld>
+</file>
+
+<file path=ppt/slides/slide9.xml><?xml version="1.0" encoding="utf-8"?>
+<p:sld xmlns:a="http://schemas.openxmlformats.org/drawingml/2006/main" xmlns:r="http://schemas.openxmlformats.org/officeDocument/2006/relationships" xmlns:p="http://schemas.openxmlformats.org/presentationml/2006/main">
+  <p:cSld>
+    <p:spTree>
+      <p:nvGrpSpPr>
+        <p:cNvPr id="1" name=""/>
+        <p:cNvGrpSpPr/>
+        <p:nvPr/>
+      </p:nvGrpSpPr>
+      <p:grpSpPr>
+        <a:xfrm>
+          <a:off x="0" y="0"/>
+          <a:ext cx="0" cy="0"/>
+          <a:chOff x="0" y="0"/>
+          <a:chExt cx="0" cy="0"/>
+        </a:xfrm>
+      </p:grpSpPr>
+      <p:sp>
+        <p:nvSpPr>
+          <p:cNvPr id="2" name="Заголовок 1"/>
+          <p:cNvSpPr>
+            <a:spLocks noGrp="1"/>
+          </p:cNvSpPr>
+          <p:nvPr>
+            <p:ph type="title"/>
+          </p:nvPr>
+        </p:nvSpPr>
+        <p:spPr/>
+        <p:txBody>
+          <a:bodyPr/>
+          <a:lstStyle/>
+          <a:p>
+            <a:r>
+              <a:rPr lang="uk-UA" dirty="0" smtClean="0"/>
+              <a:t>Абстракція </a:t>
+            </a:r>
+            <a:r>
+              <a:rPr lang="uk-UA" dirty="0" smtClean="0"/>
+              <a:t>дій</a:t>
+            </a:r>
+            <a:endParaRPr lang="uk-UA" dirty="0"/>
+          </a:p>
+        </p:txBody>
+      </p:sp>
+      <p:sp>
+        <p:nvSpPr>
+          <p:cNvPr id="3" name="Содержимое 2"/>
+          <p:cNvSpPr>
+            <a:spLocks noGrp="1"/>
+          </p:cNvSpPr>
+          <p:nvPr>
+            <p:ph idx="1"/>
+          </p:nvPr>
+        </p:nvSpPr>
+        <p:spPr/>
+        <p:txBody>
+          <a:bodyPr/>
+          <a:lstStyle/>
+          <a:p>
+            <a:r>
+              <a:rPr lang="uk-UA" dirty="0" smtClean="0"/>
+              <a:t>Створення користувача</a:t>
+            </a:r>
+          </a:p>
+          <a:p>
+            <a:r>
+              <a:rPr lang="uk-UA" dirty="0" err="1" smtClean="0"/>
+              <a:t>Валідація</a:t>
+            </a:r>
+            <a:r>
+              <a:rPr lang="uk-UA" dirty="0" smtClean="0"/>
+              <a:t> звітів</a:t>
+            </a:r>
+          </a:p>
+          <a:p>
+            <a:r>
+              <a:rPr lang="uk-UA" dirty="0" smtClean="0"/>
+              <a:t>Перерахунок зарплати</a:t>
+            </a:r>
+          </a:p>
+          <a:p>
+            <a:r>
+              <a:rPr lang="uk-UA" dirty="0" smtClean="0"/>
+              <a:t>…</a:t>
+            </a:r>
+            <a:endParaRPr lang="uk-UA" dirty="0"/>
+          </a:p>
+        </p:txBody>
+      </p:sp>
+    </p:spTree>
+  </p:cSld>
+  <p:clrMapOvr>
+    <a:masterClrMapping/>
+  </p:clrMapOvr>
 </p:sld>
 </file>
 
